--- a/Aplikasi Binus Chatting.pptx
+++ b/Aplikasi Binus Chatting.pptx
@@ -10,6 +10,9 @@
     <p:sldId id="258" r:id="rId4"/>
     <p:sldId id="259" r:id="rId5"/>
     <p:sldId id="260" r:id="rId6"/>
+    <p:sldId id="261" r:id="rId7"/>
+    <p:sldId id="262" r:id="rId8"/>
+    <p:sldId id="263" r:id="rId9"/>
   </p:sldIdLst>
   <p:sldSz cx="12192000" cy="6858000"/>
   <p:notesSz cx="6858000" cy="9144000"/>
@@ -108,6 +111,11 @@
       </a:defRPr>
     </a:lvl9pPr>
   </p:defaultTextStyle>
+  <p:extLst>
+    <p:ext uri="{EFAFB233-063F-42B5-8137-9DF3F51BA10A}">
+      <p15:sldGuideLst xmlns:p15="http://schemas.microsoft.com/office/powerpoint/2012/main"/>
+    </p:ext>
+  </p:extLst>
 </p:presentation>
 </file>
 
@@ -260,7 +268,7 @@
           <a:p>
             <a:fld id="{2AFEEB8D-9F75-421D-90DE-3F16AE17FD5E}" type="datetimeFigureOut">
               <a:rPr lang="en-ID" smtClean="0"/>
-              <a:t>21/02/2023</a:t>
+              <a:t>23/02/2023</a:t>
             </a:fld>
             <a:endParaRPr lang="en-ID"/>
           </a:p>
@@ -460,7 +468,7 @@
           <a:p>
             <a:fld id="{2AFEEB8D-9F75-421D-90DE-3F16AE17FD5E}" type="datetimeFigureOut">
               <a:rPr lang="en-ID" smtClean="0"/>
-              <a:t>21/02/2023</a:t>
+              <a:t>23/02/2023</a:t>
             </a:fld>
             <a:endParaRPr lang="en-ID"/>
           </a:p>
@@ -670,7 +678,7 @@
           <a:p>
             <a:fld id="{2AFEEB8D-9F75-421D-90DE-3F16AE17FD5E}" type="datetimeFigureOut">
               <a:rPr lang="en-ID" smtClean="0"/>
-              <a:t>21/02/2023</a:t>
+              <a:t>23/02/2023</a:t>
             </a:fld>
             <a:endParaRPr lang="en-ID"/>
           </a:p>
@@ -870,7 +878,7 @@
           <a:p>
             <a:fld id="{2AFEEB8D-9F75-421D-90DE-3F16AE17FD5E}" type="datetimeFigureOut">
               <a:rPr lang="en-ID" smtClean="0"/>
-              <a:t>21/02/2023</a:t>
+              <a:t>23/02/2023</a:t>
             </a:fld>
             <a:endParaRPr lang="en-ID"/>
           </a:p>
@@ -1146,7 +1154,7 @@
           <a:p>
             <a:fld id="{2AFEEB8D-9F75-421D-90DE-3F16AE17FD5E}" type="datetimeFigureOut">
               <a:rPr lang="en-ID" smtClean="0"/>
-              <a:t>21/02/2023</a:t>
+              <a:t>23/02/2023</a:t>
             </a:fld>
             <a:endParaRPr lang="en-ID"/>
           </a:p>
@@ -1414,7 +1422,7 @@
           <a:p>
             <a:fld id="{2AFEEB8D-9F75-421D-90DE-3F16AE17FD5E}" type="datetimeFigureOut">
               <a:rPr lang="en-ID" smtClean="0"/>
-              <a:t>21/02/2023</a:t>
+              <a:t>23/02/2023</a:t>
             </a:fld>
             <a:endParaRPr lang="en-ID"/>
           </a:p>
@@ -1829,7 +1837,7 @@
           <a:p>
             <a:fld id="{2AFEEB8D-9F75-421D-90DE-3F16AE17FD5E}" type="datetimeFigureOut">
               <a:rPr lang="en-ID" smtClean="0"/>
-              <a:t>21/02/2023</a:t>
+              <a:t>23/02/2023</a:t>
             </a:fld>
             <a:endParaRPr lang="en-ID"/>
           </a:p>
@@ -1971,7 +1979,7 @@
           <a:p>
             <a:fld id="{2AFEEB8D-9F75-421D-90DE-3F16AE17FD5E}" type="datetimeFigureOut">
               <a:rPr lang="en-ID" smtClean="0"/>
-              <a:t>21/02/2023</a:t>
+              <a:t>23/02/2023</a:t>
             </a:fld>
             <a:endParaRPr lang="en-ID"/>
           </a:p>
@@ -2084,7 +2092,7 @@
           <a:p>
             <a:fld id="{2AFEEB8D-9F75-421D-90DE-3F16AE17FD5E}" type="datetimeFigureOut">
               <a:rPr lang="en-ID" smtClean="0"/>
-              <a:t>21/02/2023</a:t>
+              <a:t>23/02/2023</a:t>
             </a:fld>
             <a:endParaRPr lang="en-ID"/>
           </a:p>
@@ -2397,7 +2405,7 @@
           <a:p>
             <a:fld id="{2AFEEB8D-9F75-421D-90DE-3F16AE17FD5E}" type="datetimeFigureOut">
               <a:rPr lang="en-ID" smtClean="0"/>
-              <a:t>21/02/2023</a:t>
+              <a:t>23/02/2023</a:t>
             </a:fld>
             <a:endParaRPr lang="en-ID"/>
           </a:p>
@@ -2686,7 +2694,7 @@
           <a:p>
             <a:fld id="{2AFEEB8D-9F75-421D-90DE-3F16AE17FD5E}" type="datetimeFigureOut">
               <a:rPr lang="en-ID" smtClean="0"/>
-              <a:t>21/02/2023</a:t>
+              <a:t>23/02/2023</a:t>
             </a:fld>
             <a:endParaRPr lang="en-ID"/>
           </a:p>
@@ -2929,7 +2937,7 @@
           <a:p>
             <a:fld id="{2AFEEB8D-9F75-421D-90DE-3F16AE17FD5E}" type="datetimeFigureOut">
               <a:rPr lang="en-ID" smtClean="0"/>
-              <a:t>21/02/2023</a:t>
+              <a:t>23/02/2023</a:t>
             </a:fld>
             <a:endParaRPr lang="en-ID"/>
           </a:p>
@@ -3918,7 +3926,7 @@
           <a:bodyPr/>
           <a:lstStyle/>
           <a:p>
-            <a:endParaRPr lang="en-ID"/>
+            <a:endParaRPr lang="en-ID" dirty="0"/>
           </a:p>
         </p:txBody>
       </p:sp>
@@ -3926,6 +3934,426 @@
     <p:extLst>
       <p:ext uri="{BB962C8B-B14F-4D97-AF65-F5344CB8AC3E}">
         <p14:creationId xmlns:p14="http://schemas.microsoft.com/office/powerpoint/2010/main" val="2176087003"/>
+      </p:ext>
+    </p:extLst>
+  </p:cSld>
+  <p:clrMapOvr>
+    <a:masterClrMapping/>
+  </p:clrMapOvr>
+</p:sld>
+</file>
+
+<file path=ppt/slides/slide6.xml><?xml version="1.0" encoding="utf-8"?>
+<p:sld xmlns:a="http://schemas.openxmlformats.org/drawingml/2006/main" xmlns:r="http://schemas.openxmlformats.org/officeDocument/2006/relationships" xmlns:p="http://schemas.openxmlformats.org/presentationml/2006/main">
+  <p:cSld>
+    <p:spTree>
+      <p:nvGrpSpPr>
+        <p:cNvPr id="1" name=""/>
+        <p:cNvGrpSpPr/>
+        <p:nvPr/>
+      </p:nvGrpSpPr>
+      <p:grpSpPr>
+        <a:xfrm>
+          <a:off x="0" y="0"/>
+          <a:ext cx="0" cy="0"/>
+          <a:chOff x="0" y="0"/>
+          <a:chExt cx="0" cy="0"/>
+        </a:xfrm>
+      </p:grpSpPr>
+      <p:sp>
+        <p:nvSpPr>
+          <p:cNvPr id="2" name="Title 1">
+            <a:extLst>
+              <a:ext uri="{FF2B5EF4-FFF2-40B4-BE49-F238E27FC236}">
+                <a16:creationId xmlns:a16="http://schemas.microsoft.com/office/drawing/2014/main" id="{8D4FCCAF-B3AF-5D21-50F4-2E34FF460B97}"/>
+              </a:ext>
+            </a:extLst>
+          </p:cNvPr>
+          <p:cNvSpPr>
+            <a:spLocks noGrp="1"/>
+          </p:cNvSpPr>
+          <p:nvPr>
+            <p:ph type="title"/>
+          </p:nvPr>
+        </p:nvSpPr>
+        <p:spPr/>
+        <p:txBody>
+          <a:bodyPr/>
+          <a:lstStyle/>
+          <a:p>
+            <a:r>
+              <a:rPr lang="en-US" dirty="0"/>
+              <a:t>Functions</a:t>
+            </a:r>
+            <a:endParaRPr lang="en-ID" dirty="0"/>
+          </a:p>
+        </p:txBody>
+      </p:sp>
+      <p:sp>
+        <p:nvSpPr>
+          <p:cNvPr id="3" name="Content Placeholder 2">
+            <a:extLst>
+              <a:ext uri="{FF2B5EF4-FFF2-40B4-BE49-F238E27FC236}">
+                <a16:creationId xmlns:a16="http://schemas.microsoft.com/office/drawing/2014/main" id="{FFE8B9E5-35A0-07B5-FB35-2488B2141009}"/>
+              </a:ext>
+            </a:extLst>
+          </p:cNvPr>
+          <p:cNvSpPr>
+            <a:spLocks noGrp="1"/>
+          </p:cNvSpPr>
+          <p:nvPr>
+            <p:ph idx="1"/>
+          </p:nvPr>
+        </p:nvSpPr>
+        <p:spPr/>
+        <p:txBody>
+          <a:bodyPr/>
+          <a:lstStyle/>
+          <a:p>
+            <a:r>
+              <a:rPr lang="en-US" dirty="0" err="1"/>
+              <a:t>Komunikasi</a:t>
+            </a:r>
+            <a:r>
+              <a:rPr lang="en-US" dirty="0"/>
+              <a:t> </a:t>
+            </a:r>
+            <a:r>
+              <a:rPr lang="en-US" dirty="0" err="1"/>
+              <a:t>secara</a:t>
+            </a:r>
+            <a:r>
+              <a:rPr lang="en-US" dirty="0"/>
+              <a:t> Chat</a:t>
+            </a:r>
+          </a:p>
+          <a:p>
+            <a:r>
+              <a:rPr lang="en-US" dirty="0" err="1"/>
+              <a:t>Telepon</a:t>
+            </a:r>
+            <a:endParaRPr lang="en-US" dirty="0"/>
+          </a:p>
+          <a:p>
+            <a:r>
+              <a:rPr lang="en-US" dirty="0"/>
+              <a:t>Video Call</a:t>
+            </a:r>
+          </a:p>
+          <a:p>
+            <a:r>
+              <a:rPr lang="en-US" dirty="0"/>
+              <a:t>Media Streaming</a:t>
+            </a:r>
+          </a:p>
+        </p:txBody>
+      </p:sp>
+    </p:spTree>
+    <p:extLst>
+      <p:ext uri="{BB962C8B-B14F-4D97-AF65-F5344CB8AC3E}">
+        <p14:creationId xmlns:p14="http://schemas.microsoft.com/office/powerpoint/2010/main" val="1292993245"/>
+      </p:ext>
+    </p:extLst>
+  </p:cSld>
+  <p:clrMapOvr>
+    <a:masterClrMapping/>
+  </p:clrMapOvr>
+</p:sld>
+</file>
+
+<file path=ppt/slides/slide7.xml><?xml version="1.0" encoding="utf-8"?>
+<p:sld xmlns:a="http://schemas.openxmlformats.org/drawingml/2006/main" xmlns:r="http://schemas.openxmlformats.org/officeDocument/2006/relationships" xmlns:p="http://schemas.openxmlformats.org/presentationml/2006/main">
+  <p:cSld>
+    <p:spTree>
+      <p:nvGrpSpPr>
+        <p:cNvPr id="1" name=""/>
+        <p:cNvGrpSpPr/>
+        <p:nvPr/>
+      </p:nvGrpSpPr>
+      <p:grpSpPr>
+        <a:xfrm>
+          <a:off x="0" y="0"/>
+          <a:ext cx="0" cy="0"/>
+          <a:chOff x="0" y="0"/>
+          <a:chExt cx="0" cy="0"/>
+        </a:xfrm>
+      </p:grpSpPr>
+      <p:sp>
+        <p:nvSpPr>
+          <p:cNvPr id="2" name="Title 1">
+            <a:extLst>
+              <a:ext uri="{FF2B5EF4-FFF2-40B4-BE49-F238E27FC236}">
+                <a16:creationId xmlns:a16="http://schemas.microsoft.com/office/drawing/2014/main" id="{1A6ACE42-40D8-D2A5-56A9-8BA4C20E4840}"/>
+              </a:ext>
+            </a:extLst>
+          </p:cNvPr>
+          <p:cNvSpPr>
+            <a:spLocks noGrp="1"/>
+          </p:cNvSpPr>
+          <p:nvPr>
+            <p:ph type="title"/>
+          </p:nvPr>
+        </p:nvSpPr>
+        <p:spPr/>
+        <p:txBody>
+          <a:bodyPr/>
+          <a:lstStyle/>
+          <a:p>
+            <a:r>
+              <a:rPr lang="en-US" dirty="0"/>
+              <a:t>Function Relationships</a:t>
+            </a:r>
+            <a:endParaRPr lang="en-ID" dirty="0"/>
+          </a:p>
+        </p:txBody>
+      </p:sp>
+      <p:sp>
+        <p:nvSpPr>
+          <p:cNvPr id="3" name="Content Placeholder 2">
+            <a:extLst>
+              <a:ext uri="{FF2B5EF4-FFF2-40B4-BE49-F238E27FC236}">
+                <a16:creationId xmlns:a16="http://schemas.microsoft.com/office/drawing/2014/main" id="{04895781-9550-E2FF-8AEC-F11AE259A44A}"/>
+              </a:ext>
+            </a:extLst>
+          </p:cNvPr>
+          <p:cNvSpPr>
+            <a:spLocks noGrp="1"/>
+          </p:cNvSpPr>
+          <p:nvPr>
+            <p:ph idx="1"/>
+          </p:nvPr>
+        </p:nvSpPr>
+        <p:spPr/>
+        <p:txBody>
+          <a:bodyPr/>
+          <a:lstStyle/>
+          <a:p>
+            <a:r>
+              <a:rPr lang="en-US" dirty="0" err="1"/>
+              <a:t>Tidak</a:t>
+            </a:r>
+            <a:r>
+              <a:rPr lang="en-US" dirty="0"/>
+              <a:t> </a:t>
+            </a:r>
+            <a:r>
+              <a:rPr lang="en-US" dirty="0" err="1"/>
+              <a:t>dapat</a:t>
+            </a:r>
+            <a:r>
+              <a:rPr lang="en-US" dirty="0"/>
+              <a:t> </a:t>
+            </a:r>
+            <a:r>
+              <a:rPr lang="en-US" dirty="0" err="1"/>
+              <a:t>melakukan</a:t>
+            </a:r>
+            <a:r>
+              <a:rPr lang="en-US" dirty="0"/>
+              <a:t> Voice Call </a:t>
+            </a:r>
+            <a:r>
+              <a:rPr lang="en-US" dirty="0" err="1"/>
+              <a:t>dengan</a:t>
+            </a:r>
+            <a:r>
+              <a:rPr lang="en-US" dirty="0"/>
+              <a:t> User lain, </a:t>
+            </a:r>
+            <a:r>
+              <a:rPr lang="en-US" dirty="0" err="1"/>
+              <a:t>jika</a:t>
+            </a:r>
+            <a:r>
+              <a:rPr lang="en-US" dirty="0"/>
+              <a:t> </a:t>
+            </a:r>
+            <a:r>
+              <a:rPr lang="en-US" dirty="0" err="1"/>
+              <a:t>masih</a:t>
+            </a:r>
+            <a:r>
+              <a:rPr lang="en-US" dirty="0"/>
+              <a:t> </a:t>
+            </a:r>
+            <a:r>
+              <a:rPr lang="en-US" dirty="0" err="1"/>
+              <a:t>terhubung</a:t>
+            </a:r>
+            <a:r>
+              <a:rPr lang="en-US" dirty="0"/>
+              <a:t> </a:t>
+            </a:r>
+            <a:r>
+              <a:rPr lang="en-US" dirty="0" err="1"/>
+              <a:t>dengan</a:t>
+            </a:r>
+            <a:r>
+              <a:rPr lang="en-US" dirty="0"/>
+              <a:t> Voice Call pada User </a:t>
+            </a:r>
+            <a:r>
+              <a:rPr lang="en-US" dirty="0" err="1"/>
+              <a:t>pertama</a:t>
+            </a:r>
+            <a:endParaRPr lang="en-ID" dirty="0"/>
+          </a:p>
+        </p:txBody>
+      </p:sp>
+    </p:spTree>
+    <p:extLst>
+      <p:ext uri="{BB962C8B-B14F-4D97-AF65-F5344CB8AC3E}">
+        <p14:creationId xmlns:p14="http://schemas.microsoft.com/office/powerpoint/2010/main" val="717313115"/>
+      </p:ext>
+    </p:extLst>
+  </p:cSld>
+  <p:clrMapOvr>
+    <a:masterClrMapping/>
+  </p:clrMapOvr>
+</p:sld>
+</file>
+
+<file path=ppt/slides/slide8.xml><?xml version="1.0" encoding="utf-8"?>
+<p:sld xmlns:a="http://schemas.openxmlformats.org/drawingml/2006/main" xmlns:r="http://schemas.openxmlformats.org/officeDocument/2006/relationships" xmlns:p="http://schemas.openxmlformats.org/presentationml/2006/main">
+  <p:cSld>
+    <p:spTree>
+      <p:nvGrpSpPr>
+        <p:cNvPr id="1" name=""/>
+        <p:cNvGrpSpPr/>
+        <p:nvPr/>
+      </p:nvGrpSpPr>
+      <p:grpSpPr>
+        <a:xfrm>
+          <a:off x="0" y="0"/>
+          <a:ext cx="0" cy="0"/>
+          <a:chOff x="0" y="0"/>
+          <a:chExt cx="0" cy="0"/>
+        </a:xfrm>
+      </p:grpSpPr>
+      <p:sp>
+        <p:nvSpPr>
+          <p:cNvPr id="2" name="Title 1">
+            <a:extLst>
+              <a:ext uri="{FF2B5EF4-FFF2-40B4-BE49-F238E27FC236}">
+                <a16:creationId xmlns:a16="http://schemas.microsoft.com/office/drawing/2014/main" id="{37673098-A423-7987-1E9B-2043A58E2D46}"/>
+              </a:ext>
+            </a:extLst>
+          </p:cNvPr>
+          <p:cNvSpPr>
+            <a:spLocks noGrp="1"/>
+          </p:cNvSpPr>
+          <p:nvPr>
+            <p:ph type="title"/>
+          </p:nvPr>
+        </p:nvSpPr>
+        <p:spPr/>
+        <p:txBody>
+          <a:bodyPr/>
+          <a:lstStyle/>
+          <a:p>
+            <a:r>
+              <a:rPr lang="en-US" dirty="0"/>
+              <a:t>Data</a:t>
+            </a:r>
+            <a:endParaRPr lang="en-ID" dirty="0"/>
+          </a:p>
+        </p:txBody>
+      </p:sp>
+      <p:sp>
+        <p:nvSpPr>
+          <p:cNvPr id="3" name="Content Placeholder 2">
+            <a:extLst>
+              <a:ext uri="{FF2B5EF4-FFF2-40B4-BE49-F238E27FC236}">
+                <a16:creationId xmlns:a16="http://schemas.microsoft.com/office/drawing/2014/main" id="{B9D388F0-D8D0-9037-1F83-A10A8B0AD777}"/>
+              </a:ext>
+            </a:extLst>
+          </p:cNvPr>
+          <p:cNvSpPr>
+            <a:spLocks noGrp="1"/>
+          </p:cNvSpPr>
+          <p:nvPr>
+            <p:ph idx="1"/>
+          </p:nvPr>
+        </p:nvSpPr>
+        <p:spPr/>
+        <p:txBody>
+          <a:bodyPr/>
+          <a:lstStyle/>
+          <a:p>
+            <a:r>
+              <a:rPr lang="en-US" dirty="0"/>
+              <a:t>Data </a:t>
+            </a:r>
+            <a:r>
+              <a:rPr lang="en-US" dirty="0" err="1"/>
+              <a:t>dimasukan</a:t>
+            </a:r>
+            <a:r>
+              <a:rPr lang="en-US" dirty="0"/>
+              <a:t> oleh User </a:t>
+            </a:r>
+            <a:r>
+              <a:rPr lang="en-US" dirty="0" err="1"/>
+              <a:t>melalui</a:t>
+            </a:r>
+            <a:r>
+              <a:rPr lang="en-US" dirty="0"/>
+              <a:t> UI</a:t>
+            </a:r>
+          </a:p>
+          <a:p>
+            <a:r>
+              <a:rPr lang="en-US" dirty="0" err="1"/>
+              <a:t>Kemudian</a:t>
+            </a:r>
+            <a:r>
+              <a:rPr lang="en-US" dirty="0"/>
+              <a:t> data </a:t>
+            </a:r>
+            <a:r>
+              <a:rPr lang="en-US" dirty="0" err="1"/>
+              <a:t>akan</a:t>
+            </a:r>
+            <a:r>
+              <a:rPr lang="en-US" dirty="0"/>
+              <a:t> </a:t>
+            </a:r>
+            <a:r>
+              <a:rPr lang="en-US" dirty="0" err="1"/>
+              <a:t>ditampilkan</a:t>
+            </a:r>
+            <a:r>
+              <a:rPr lang="en-US" dirty="0"/>
+              <a:t> </a:t>
+            </a:r>
+            <a:r>
+              <a:rPr lang="en-US" dirty="0" err="1"/>
+              <a:t>terhadap</a:t>
+            </a:r>
+            <a:r>
+              <a:rPr lang="en-US" dirty="0"/>
+              <a:t> User lain </a:t>
+            </a:r>
+            <a:r>
+              <a:rPr lang="en-US" dirty="0" err="1"/>
+              <a:t>melalui</a:t>
+            </a:r>
+            <a:r>
+              <a:rPr lang="en-US" dirty="0"/>
+              <a:t> UI User </a:t>
+            </a:r>
+            <a:r>
+              <a:rPr lang="en-US" dirty="0" err="1"/>
+              <a:t>tersebut</a:t>
+            </a:r>
+            <a:endParaRPr lang="en-ID" dirty="0"/>
+          </a:p>
+        </p:txBody>
+      </p:sp>
+    </p:spTree>
+    <p:extLst>
+      <p:ext uri="{BB962C8B-B14F-4D97-AF65-F5344CB8AC3E}">
+        <p14:creationId xmlns:p14="http://schemas.microsoft.com/office/powerpoint/2010/main" val="2443993069"/>
       </p:ext>
     </p:extLst>
   </p:cSld>

--- a/Aplikasi Binus Chatting.pptx
+++ b/Aplikasi Binus Chatting.pptx
@@ -6,13 +6,15 @@
   </p:sldMasterIdLst>
   <p:sldIdLst>
     <p:sldId id="256" r:id="rId2"/>
-    <p:sldId id="257" r:id="rId3"/>
-    <p:sldId id="258" r:id="rId4"/>
-    <p:sldId id="259" r:id="rId5"/>
-    <p:sldId id="260" r:id="rId6"/>
-    <p:sldId id="261" r:id="rId7"/>
-    <p:sldId id="262" r:id="rId8"/>
-    <p:sldId id="263" r:id="rId9"/>
+    <p:sldId id="264" r:id="rId3"/>
+    <p:sldId id="265" r:id="rId4"/>
+    <p:sldId id="266" r:id="rId5"/>
+    <p:sldId id="257" r:id="rId6"/>
+    <p:sldId id="258" r:id="rId7"/>
+    <p:sldId id="259" r:id="rId8"/>
+    <p:sldId id="261" r:id="rId9"/>
+    <p:sldId id="262" r:id="rId10"/>
+    <p:sldId id="263" r:id="rId11"/>
   </p:sldIdLst>
   <p:sldSz cx="12192000" cy="6858000"/>
   <p:notesSz cx="6858000" cy="9144000"/>
@@ -3413,12 +3415,32 @@
         </p:nvSpPr>
         <p:spPr/>
         <p:txBody>
-          <a:bodyPr/>
+          <a:bodyPr>
+            <a:normAutofit lnSpcReduction="10000"/>
+          </a:bodyPr>
           <a:lstStyle/>
           <a:p>
             <a:r>
               <a:rPr lang="en-US" dirty="0"/>
               <a:t>Nama:</a:t>
+            </a:r>
+          </a:p>
+          <a:p>
+            <a:r>
+              <a:rPr lang="en-US" dirty="0" err="1"/>
+              <a:t>Trianto</a:t>
+            </a:r>
+            <a:r>
+              <a:rPr lang="en-US" dirty="0"/>
+              <a:t> </a:t>
+            </a:r>
+            <a:r>
+              <a:rPr lang="en-US" dirty="0" err="1"/>
+              <a:t>Mahendra</a:t>
+            </a:r>
+            <a:r>
+              <a:rPr lang="en-US" dirty="0"/>
+              <a:t> Putra - 2001573770</a:t>
             </a:r>
           </a:p>
           <a:p>
@@ -3452,8 +3474,28 @@
             </a:r>
             <a:r>
               <a:rPr lang="en-US" dirty="0"/>
-              <a:t> - 2301855545</a:t>
-            </a:r>
+              <a:t> – 2301855545</a:t>
+            </a:r>
+          </a:p>
+          <a:p>
+            <a:r>
+              <a:rPr lang="en-US" dirty="0" err="1"/>
+              <a:t>Roki</a:t>
+            </a:r>
+            <a:r>
+              <a:rPr lang="en-US" dirty="0"/>
+              <a:t> Zain </a:t>
+            </a:r>
+            <a:r>
+              <a:rPr lang="en-US" dirty="0" err="1"/>
+              <a:t>Siregar</a:t>
+            </a:r>
+            <a:r>
+              <a:rPr lang="en-US" dirty="0"/>
+              <a:t> - 2301921156</a:t>
+            </a:r>
+          </a:p>
+          <a:p>
             <a:endParaRPr lang="en-ID" dirty="0"/>
           </a:p>
         </p:txBody>
@@ -3462,6 +3504,156 @@
     <p:extLst>
       <p:ext uri="{BB962C8B-B14F-4D97-AF65-F5344CB8AC3E}">
         <p14:creationId xmlns:p14="http://schemas.microsoft.com/office/powerpoint/2010/main" val="2880198809"/>
+      </p:ext>
+    </p:extLst>
+  </p:cSld>
+  <p:clrMapOvr>
+    <a:masterClrMapping/>
+  </p:clrMapOvr>
+</p:sld>
+</file>
+
+<file path=ppt/slides/slide10.xml><?xml version="1.0" encoding="utf-8"?>
+<p:sld xmlns:a="http://schemas.openxmlformats.org/drawingml/2006/main" xmlns:r="http://schemas.openxmlformats.org/officeDocument/2006/relationships" xmlns:p="http://schemas.openxmlformats.org/presentationml/2006/main">
+  <p:cSld>
+    <p:spTree>
+      <p:nvGrpSpPr>
+        <p:cNvPr id="1" name=""/>
+        <p:cNvGrpSpPr/>
+        <p:nvPr/>
+      </p:nvGrpSpPr>
+      <p:grpSpPr>
+        <a:xfrm>
+          <a:off x="0" y="0"/>
+          <a:ext cx="0" cy="0"/>
+          <a:chOff x="0" y="0"/>
+          <a:chExt cx="0" cy="0"/>
+        </a:xfrm>
+      </p:grpSpPr>
+      <p:sp>
+        <p:nvSpPr>
+          <p:cNvPr id="2" name="Title 1">
+            <a:extLst>
+              <a:ext uri="{FF2B5EF4-FFF2-40B4-BE49-F238E27FC236}">
+                <a16:creationId xmlns:a16="http://schemas.microsoft.com/office/drawing/2014/main" id="{37673098-A423-7987-1E9B-2043A58E2D46}"/>
+              </a:ext>
+            </a:extLst>
+          </p:cNvPr>
+          <p:cNvSpPr>
+            <a:spLocks noGrp="1"/>
+          </p:cNvSpPr>
+          <p:nvPr>
+            <p:ph type="title"/>
+          </p:nvPr>
+        </p:nvSpPr>
+        <p:spPr/>
+        <p:txBody>
+          <a:bodyPr/>
+          <a:lstStyle/>
+          <a:p>
+            <a:r>
+              <a:rPr lang="en-US" dirty="0"/>
+              <a:t>Data</a:t>
+            </a:r>
+            <a:endParaRPr lang="en-ID" dirty="0"/>
+          </a:p>
+        </p:txBody>
+      </p:sp>
+      <p:sp>
+        <p:nvSpPr>
+          <p:cNvPr id="3" name="Content Placeholder 2">
+            <a:extLst>
+              <a:ext uri="{FF2B5EF4-FFF2-40B4-BE49-F238E27FC236}">
+                <a16:creationId xmlns:a16="http://schemas.microsoft.com/office/drawing/2014/main" id="{B9D388F0-D8D0-9037-1F83-A10A8B0AD777}"/>
+              </a:ext>
+            </a:extLst>
+          </p:cNvPr>
+          <p:cNvSpPr>
+            <a:spLocks noGrp="1"/>
+          </p:cNvSpPr>
+          <p:nvPr>
+            <p:ph idx="1"/>
+          </p:nvPr>
+        </p:nvSpPr>
+        <p:spPr/>
+        <p:txBody>
+          <a:bodyPr/>
+          <a:lstStyle/>
+          <a:p>
+            <a:r>
+              <a:rPr lang="en-US" dirty="0"/>
+              <a:t>Data </a:t>
+            </a:r>
+            <a:r>
+              <a:rPr lang="en-US" dirty="0" err="1"/>
+              <a:t>dimasukan</a:t>
+            </a:r>
+            <a:r>
+              <a:rPr lang="en-US" dirty="0"/>
+              <a:t> oleh User </a:t>
+            </a:r>
+            <a:r>
+              <a:rPr lang="en-US" dirty="0" err="1"/>
+              <a:t>melalui</a:t>
+            </a:r>
+            <a:r>
+              <a:rPr lang="en-US" dirty="0"/>
+              <a:t> UI</a:t>
+            </a:r>
+          </a:p>
+          <a:p>
+            <a:r>
+              <a:rPr lang="en-US" dirty="0" err="1"/>
+              <a:t>Kemudian</a:t>
+            </a:r>
+            <a:r>
+              <a:rPr lang="en-US" dirty="0"/>
+              <a:t> data </a:t>
+            </a:r>
+            <a:r>
+              <a:rPr lang="en-US" dirty="0" err="1"/>
+              <a:t>akan</a:t>
+            </a:r>
+            <a:r>
+              <a:rPr lang="en-US" dirty="0"/>
+              <a:t> </a:t>
+            </a:r>
+            <a:r>
+              <a:rPr lang="en-US" dirty="0" err="1"/>
+              <a:t>ditampilkan</a:t>
+            </a:r>
+            <a:r>
+              <a:rPr lang="en-US" dirty="0"/>
+              <a:t> </a:t>
+            </a:r>
+            <a:r>
+              <a:rPr lang="en-US" dirty="0" err="1"/>
+              <a:t>terhadap</a:t>
+            </a:r>
+            <a:r>
+              <a:rPr lang="en-US" dirty="0"/>
+              <a:t> User lain </a:t>
+            </a:r>
+            <a:r>
+              <a:rPr lang="en-US" dirty="0" err="1"/>
+              <a:t>melalui</a:t>
+            </a:r>
+            <a:r>
+              <a:rPr lang="en-US" dirty="0"/>
+              <a:t> UI User </a:t>
+            </a:r>
+            <a:r>
+              <a:rPr lang="en-US" dirty="0" err="1"/>
+              <a:t>tersebut</a:t>
+            </a:r>
+            <a:endParaRPr lang="en-ID" dirty="0"/>
+          </a:p>
+        </p:txBody>
+      </p:sp>
+    </p:spTree>
+    <p:extLst>
+      <p:ext uri="{BB962C8B-B14F-4D97-AF65-F5344CB8AC3E}">
+        <p14:creationId xmlns:p14="http://schemas.microsoft.com/office/powerpoint/2010/main" val="2443993069"/>
       </p:ext>
     </p:extLst>
   </p:cSld>
@@ -3493,7 +3685,7 @@
           <p:cNvPr id="2" name="Title 1">
             <a:extLst>
               <a:ext uri="{FF2B5EF4-FFF2-40B4-BE49-F238E27FC236}">
-                <a16:creationId xmlns:a16="http://schemas.microsoft.com/office/drawing/2014/main" id="{A597875E-44D6-DB36-C8E4-8B17B894236C}"/>
+                <a16:creationId xmlns:a16="http://schemas.microsoft.com/office/drawing/2014/main" id="{9B1B15D3-6100-8579-9740-616A6FCDA8EE}"/>
               </a:ext>
             </a:extLst>
           </p:cNvPr>
@@ -3511,9 +3703,16 @@
           <a:p>
             <a:r>
               <a:rPr lang="en-US" dirty="0"/>
-              <a:t>METAFORA</a:t>
-            </a:r>
-            <a:endParaRPr lang="en-ID" dirty="0"/>
+              <a:t>What is </a:t>
+            </a:r>
+            <a:r>
+              <a:rPr lang="en-US" dirty="0" err="1"/>
+              <a:t>Binus</a:t>
+            </a:r>
+            <a:r>
+              <a:rPr lang="en-US" dirty="0"/>
+              <a:t> Chatting?</a:t>
+            </a:r>
           </a:p>
         </p:txBody>
       </p:sp>
@@ -3522,7 +3721,7 @@
           <p:cNvPr id="3" name="Content Placeholder 2">
             <a:extLst>
               <a:ext uri="{FF2B5EF4-FFF2-40B4-BE49-F238E27FC236}">
-                <a16:creationId xmlns:a16="http://schemas.microsoft.com/office/drawing/2014/main" id="{A95966C7-68BA-9B7F-D494-0A59788E7B1C}"/>
+                <a16:creationId xmlns:a16="http://schemas.microsoft.com/office/drawing/2014/main" id="{BF0D8AEC-ED0E-9EA3-79A1-34B6EECD8C9D}"/>
               </a:ext>
             </a:extLst>
           </p:cNvPr>
@@ -3539,44 +3738,14 @@
           <a:lstStyle/>
           <a:p>
             <a:r>
-              <a:rPr lang="en-US" dirty="0" err="1"/>
-              <a:t>Informasi</a:t>
-            </a:r>
-            <a:r>
-              <a:rPr lang="en-US" dirty="0"/>
-              <a:t> </a:t>
-            </a:r>
-            <a:r>
-              <a:rPr lang="en-US" dirty="0" err="1"/>
-              <a:t>akan</a:t>
-            </a:r>
-            <a:r>
-              <a:rPr lang="en-US" dirty="0"/>
-              <a:t> </a:t>
-            </a:r>
-            <a:r>
-              <a:rPr lang="en-US" dirty="0" err="1"/>
-              <a:t>ditampilkan</a:t>
-            </a:r>
-            <a:r>
-              <a:rPr lang="en-US" dirty="0"/>
-              <a:t> </a:t>
-            </a:r>
-            <a:r>
-              <a:rPr lang="en-US" dirty="0" err="1"/>
-              <a:t>dalam</a:t>
-            </a:r>
-            <a:r>
-              <a:rPr lang="en-US" dirty="0"/>
-              <a:t> </a:t>
-            </a:r>
-            <a:r>
-              <a:rPr lang="en-US" dirty="0" err="1"/>
-              <a:t>bentuk</a:t>
-            </a:r>
-            <a:r>
-              <a:rPr lang="en-US" dirty="0"/>
-              <a:t> List</a:t>
+              <a:rPr lang="en-US" dirty="0"/>
+              <a:t>Chatting App for Students</a:t>
+            </a:r>
+          </a:p>
+          <a:p>
+            <a:r>
+              <a:rPr lang="en-US" dirty="0"/>
+              <a:t>Easy to use</a:t>
             </a:r>
           </a:p>
         </p:txBody>
@@ -3584,7 +3753,7 @@
     </p:spTree>
     <p:extLst>
       <p:ext uri="{BB962C8B-B14F-4D97-AF65-F5344CB8AC3E}">
-        <p14:creationId xmlns:p14="http://schemas.microsoft.com/office/powerpoint/2010/main" val="3824358165"/>
+        <p14:creationId xmlns:p14="http://schemas.microsoft.com/office/powerpoint/2010/main" val="1189923591"/>
       </p:ext>
     </p:extLst>
   </p:cSld>
@@ -3616,7 +3785,7 @@
           <p:cNvPr id="2" name="Title 1">
             <a:extLst>
               <a:ext uri="{FF2B5EF4-FFF2-40B4-BE49-F238E27FC236}">
-                <a16:creationId xmlns:a16="http://schemas.microsoft.com/office/drawing/2014/main" id="{1D0AC86E-6382-8F4C-2BEF-DE05A2550E6F}"/>
+                <a16:creationId xmlns:a16="http://schemas.microsoft.com/office/drawing/2014/main" id="{FAC0D5C9-DF39-4886-D13C-0B7BE7BC69DF}"/>
               </a:ext>
             </a:extLst>
           </p:cNvPr>
@@ -3634,9 +3803,16 @@
           <a:p>
             <a:r>
               <a:rPr lang="en-US" dirty="0"/>
-              <a:t>CONCEPTS</a:t>
-            </a:r>
-            <a:endParaRPr lang="en-ID" dirty="0"/>
+              <a:t>What is in </a:t>
+            </a:r>
+            <a:r>
+              <a:rPr lang="en-US" dirty="0" err="1"/>
+              <a:t>Binus</a:t>
+            </a:r>
+            <a:r>
+              <a:rPr lang="en-US" dirty="0"/>
+              <a:t> Chatting?</a:t>
+            </a:r>
           </a:p>
         </p:txBody>
       </p:sp>
@@ -3645,7 +3821,7 @@
           <p:cNvPr id="3" name="Content Placeholder 2">
             <a:extLst>
               <a:ext uri="{FF2B5EF4-FFF2-40B4-BE49-F238E27FC236}">
-                <a16:creationId xmlns:a16="http://schemas.microsoft.com/office/drawing/2014/main" id="{F15CEE6D-9EE5-7489-5EBE-357676D87642}"/>
+                <a16:creationId xmlns:a16="http://schemas.microsoft.com/office/drawing/2014/main" id="{CD221EE2-2E90-CF29-6349-84C96AD00A20}"/>
               </a:ext>
             </a:extLst>
           </p:cNvPr>
@@ -3663,35 +3839,33 @@
           <a:p>
             <a:r>
               <a:rPr lang="en-US" dirty="0"/>
-              <a:t>Akan </a:t>
-            </a:r>
-            <a:r>
-              <a:rPr lang="en-US" dirty="0" err="1"/>
-              <a:t>ada</a:t>
-            </a:r>
-            <a:r>
-              <a:rPr lang="en-US" dirty="0"/>
-              <a:t> Group Chat, </a:t>
-            </a:r>
-            <a:r>
-              <a:rPr lang="en-US" dirty="0" err="1"/>
-              <a:t>Individu</a:t>
-            </a:r>
-            <a:r>
-              <a:rPr lang="en-US" dirty="0"/>
-              <a:t> Chat, dan Friends List</a:t>
-            </a:r>
-            <a:endParaRPr lang="en-ID" dirty="0"/>
-          </a:p>
-          <a:p>
-            <a:endParaRPr lang="en-ID" dirty="0"/>
+              <a:t>Individual &amp; Group Chat</a:t>
+            </a:r>
+          </a:p>
+          <a:p>
+            <a:r>
+              <a:rPr lang="en-US" dirty="0"/>
+              <a:t>Voice &amp; Video Call</a:t>
+            </a:r>
+          </a:p>
+          <a:p>
+            <a:r>
+              <a:rPr lang="en-US" dirty="0"/>
+              <a:t>Media Streaming</a:t>
+            </a:r>
+          </a:p>
+          <a:p>
+            <a:r>
+              <a:rPr lang="en-US" dirty="0"/>
+              <a:t>Server or Community Chat</a:t>
+            </a:r>
           </a:p>
         </p:txBody>
       </p:sp>
     </p:spTree>
     <p:extLst>
       <p:ext uri="{BB962C8B-B14F-4D97-AF65-F5344CB8AC3E}">
-        <p14:creationId xmlns:p14="http://schemas.microsoft.com/office/powerpoint/2010/main" val="611428803"/>
+        <p14:creationId xmlns:p14="http://schemas.microsoft.com/office/powerpoint/2010/main" val="1220411049"/>
       </p:ext>
     </p:extLst>
   </p:cSld>
@@ -3723,7 +3897,7 @@
           <p:cNvPr id="2" name="Title 1">
             <a:extLst>
               <a:ext uri="{FF2B5EF4-FFF2-40B4-BE49-F238E27FC236}">
-                <a16:creationId xmlns:a16="http://schemas.microsoft.com/office/drawing/2014/main" id="{FAAEEE61-2073-0172-BFBF-67EBB65376B3}"/>
+                <a16:creationId xmlns:a16="http://schemas.microsoft.com/office/drawing/2014/main" id="{3FF52D20-5B88-BF22-BAA3-B85CE3602A34}"/>
               </a:ext>
             </a:extLst>
           </p:cNvPr>
@@ -3741,115 +3915,136 @@
           <a:p>
             <a:r>
               <a:rPr lang="en-US" dirty="0"/>
-              <a:t>Object Relationships</a:t>
-            </a:r>
-            <a:endParaRPr lang="en-ID" dirty="0"/>
-          </a:p>
-        </p:txBody>
-      </p:sp>
-      <p:sp>
-        <p:nvSpPr>
-          <p:cNvPr id="3" name="Content Placeholder 2">
-            <a:extLst>
-              <a:ext uri="{FF2B5EF4-FFF2-40B4-BE49-F238E27FC236}">
-                <a16:creationId xmlns:a16="http://schemas.microsoft.com/office/drawing/2014/main" id="{8D665C2D-B058-A478-C891-2F56F6CD54EA}"/>
-              </a:ext>
-            </a:extLst>
-          </p:cNvPr>
-          <p:cNvSpPr>
-            <a:spLocks noGrp="1"/>
-          </p:cNvSpPr>
+              <a:t>What </a:t>
+            </a:r>
+            <a:r>
+              <a:rPr lang="en-US" dirty="0" err="1"/>
+              <a:t>Binus</a:t>
+            </a:r>
+            <a:r>
+              <a:rPr lang="en-US" dirty="0"/>
+              <a:t> Chatting want to make?</a:t>
+            </a:r>
+          </a:p>
+        </p:txBody>
+      </p:sp>
+      <p:pic>
+        <p:nvPicPr>
+          <p:cNvPr id="4" name="Content Placeholder 3" descr="A screenshot of a computer&#10;&#10;Description automatically generated with medium confidence">
+            <a:extLst>
+              <a:ext uri="{FF2B5EF4-FFF2-40B4-BE49-F238E27FC236}">
+                <a16:creationId xmlns:a16="http://schemas.microsoft.com/office/drawing/2014/main" id="{DD2FBB08-852D-D289-88D9-4917CA58EFDD}"/>
+              </a:ext>
+            </a:extLst>
+          </p:cNvPr>
+          <p:cNvPicPr>
+            <a:picLocks noGrp="1" noChangeAspect="1"/>
+          </p:cNvPicPr>
           <p:nvPr>
             <p:ph idx="1"/>
           </p:nvPr>
-        </p:nvSpPr>
-        <p:spPr/>
-        <p:txBody>
-          <a:bodyPr/>
-          <a:lstStyle/>
-          <a:p>
-            <a:r>
-              <a:rPr lang="en-US" dirty="0"/>
-              <a:t>User yang </a:t>
-            </a:r>
-            <a:r>
-              <a:rPr lang="en-US" dirty="0" err="1"/>
-              <a:t>terdapat</a:t>
-            </a:r>
-            <a:r>
-              <a:rPr lang="en-US" dirty="0"/>
-              <a:t> pada Friend List </a:t>
-            </a:r>
-            <a:r>
-              <a:rPr lang="en-US" dirty="0" err="1"/>
-              <a:t>dapat</a:t>
-            </a:r>
-            <a:r>
-              <a:rPr lang="en-US" dirty="0"/>
-              <a:t> </a:t>
-            </a:r>
-            <a:r>
-              <a:rPr lang="en-US" dirty="0" err="1"/>
-              <a:t>melihat</a:t>
-            </a:r>
-            <a:r>
-              <a:rPr lang="en-US" dirty="0"/>
-              <a:t> Status User lain yang </a:t>
-            </a:r>
-            <a:r>
-              <a:rPr lang="en-US" dirty="0" err="1"/>
-              <a:t>ada</a:t>
-            </a:r>
-            <a:r>
-              <a:rPr lang="en-US" dirty="0"/>
-              <a:t> di Friend List</a:t>
-            </a:r>
-          </a:p>
-          <a:p>
-            <a:r>
-              <a:rPr lang="en-US" dirty="0"/>
-              <a:t>User </a:t>
-            </a:r>
-            <a:r>
-              <a:rPr lang="en-US" dirty="0" err="1"/>
-              <a:t>dapat</a:t>
-            </a:r>
-            <a:r>
-              <a:rPr lang="en-US" dirty="0"/>
-              <a:t> </a:t>
-            </a:r>
-            <a:r>
-              <a:rPr lang="en-US" dirty="0" err="1"/>
-              <a:t>melakukan</a:t>
-            </a:r>
-            <a:r>
-              <a:rPr lang="en-US" dirty="0"/>
-              <a:t> Chat </a:t>
-            </a:r>
-            <a:r>
-              <a:rPr lang="en-US" dirty="0" err="1"/>
-              <a:t>Individu</a:t>
-            </a:r>
-            <a:r>
-              <a:rPr lang="en-US" dirty="0"/>
-              <a:t> pada User yang </a:t>
-            </a:r>
-            <a:r>
-              <a:rPr lang="en-US" dirty="0" err="1"/>
-              <a:t>tergabung</a:t>
-            </a:r>
-            <a:r>
-              <a:rPr lang="en-US" dirty="0"/>
-              <a:t> pada Group Chat</a:t>
-            </a:r>
-            <a:endParaRPr lang="en-ID" dirty="0"/>
+        </p:nvPicPr>
+        <p:blipFill>
+          <a:blip r:embed="rId2">
+            <a:extLst>
+              <a:ext uri="{28A0092B-C50C-407E-A947-70E740481C1C}">
+                <a14:useLocalDpi xmlns:a14="http://schemas.microsoft.com/office/drawing/2010/main" val="0"/>
+              </a:ext>
+            </a:extLst>
+          </a:blip>
+          <a:stretch>
+            <a:fillRect/>
+          </a:stretch>
+        </p:blipFill>
+        <p:spPr>
+          <a:xfrm>
+            <a:off x="555918" y="1478080"/>
+            <a:ext cx="4601712" cy="2770363"/>
+          </a:xfrm>
+          <a:prstGeom prst="rect">
+            <a:avLst/>
+          </a:prstGeom>
+        </p:spPr>
+      </p:pic>
+      <p:pic>
+        <p:nvPicPr>
+          <p:cNvPr id="5" name="Picture 4" descr="Graphical user interface, text&#10;&#10;Description automatically generated">
+            <a:extLst>
+              <a:ext uri="{FF2B5EF4-FFF2-40B4-BE49-F238E27FC236}">
+                <a16:creationId xmlns:a16="http://schemas.microsoft.com/office/drawing/2014/main" id="{A02287E0-FC1E-C26E-5E34-9ED7774A22FA}"/>
+              </a:ext>
+            </a:extLst>
+          </p:cNvPr>
+          <p:cNvPicPr>
+            <a:picLocks noChangeAspect="1"/>
+          </p:cNvPicPr>
+          <p:nvPr/>
+        </p:nvPicPr>
+        <p:blipFill>
+          <a:blip r:embed="rId3">
+            <a:extLst>
+              <a:ext uri="{28A0092B-C50C-407E-A947-70E740481C1C}">
+                <a14:useLocalDpi xmlns:a14="http://schemas.microsoft.com/office/drawing/2010/main" val="0"/>
+              </a:ext>
+            </a:extLst>
+          </a:blip>
+          <a:stretch>
+            <a:fillRect/>
+          </a:stretch>
+        </p:blipFill>
+        <p:spPr>
+          <a:xfrm>
+            <a:off x="5233181" y="1478080"/>
+            <a:ext cx="6710290" cy="2663606"/>
+          </a:xfrm>
+          <a:prstGeom prst="rect">
+            <a:avLst/>
+          </a:prstGeom>
+        </p:spPr>
+      </p:pic>
+      <p:sp>
+        <p:nvSpPr>
+          <p:cNvPr id="6" name="TextBox 5">
+            <a:extLst>
+              <a:ext uri="{FF2B5EF4-FFF2-40B4-BE49-F238E27FC236}">
+                <a16:creationId xmlns:a16="http://schemas.microsoft.com/office/drawing/2014/main" id="{888BE2DE-1F3E-3348-EC8B-5E7BB46ECF92}"/>
+              </a:ext>
+            </a:extLst>
+          </p:cNvPr>
+          <p:cNvSpPr txBox="1"/>
+          <p:nvPr/>
+        </p:nvSpPr>
+        <p:spPr>
+          <a:xfrm>
+            <a:off x="1006084" y="4459459"/>
+            <a:ext cx="9361805" cy="1938992"/>
+          </a:xfrm>
+          <a:prstGeom prst="rect">
+            <a:avLst/>
+          </a:prstGeom>
+          <a:noFill/>
+        </p:spPr>
+        <p:txBody>
+          <a:bodyPr wrap="square" rtlCol="0">
+            <a:spAutoFit/>
+          </a:bodyPr>
+          <a:lstStyle/>
+          <a:p>
+            <a:r>
+              <a:rPr lang="en-US" sz="4000" dirty="0" err="1"/>
+              <a:t>Binus</a:t>
+            </a:r>
+            <a:r>
+              <a:rPr lang="en-US" sz="4000" dirty="0"/>
+              <a:t> Chatting will take Forum/Thread function in Line and Use Media streaming from Discord</a:t>
+            </a:r>
           </a:p>
         </p:txBody>
       </p:sp>
     </p:spTree>
     <p:extLst>
       <p:ext uri="{BB962C8B-B14F-4D97-AF65-F5344CB8AC3E}">
-        <p14:creationId xmlns:p14="http://schemas.microsoft.com/office/powerpoint/2010/main" val="2009203607"/>
+        <p14:creationId xmlns:p14="http://schemas.microsoft.com/office/powerpoint/2010/main" val="1441122790"/>
       </p:ext>
     </p:extLst>
   </p:cSld>
@@ -3881,7 +4076,7 @@
           <p:cNvPr id="2" name="Title 1">
             <a:extLst>
               <a:ext uri="{FF2B5EF4-FFF2-40B4-BE49-F238E27FC236}">
-                <a16:creationId xmlns:a16="http://schemas.microsoft.com/office/drawing/2014/main" id="{28088A17-AEB6-49DC-6B64-772801FFA61F}"/>
+                <a16:creationId xmlns:a16="http://schemas.microsoft.com/office/drawing/2014/main" id="{A597875E-44D6-DB36-C8E4-8B17B894236C}"/>
               </a:ext>
             </a:extLst>
           </p:cNvPr>
@@ -3899,7 +4094,7 @@
           <a:p>
             <a:r>
               <a:rPr lang="en-US" dirty="0"/>
-              <a:t>Mappings</a:t>
+              <a:t>METAFORA</a:t>
             </a:r>
             <a:endParaRPr lang="en-ID" dirty="0"/>
           </a:p>
@@ -3910,7 +4105,7 @@
           <p:cNvPr id="3" name="Content Placeholder 2">
             <a:extLst>
               <a:ext uri="{FF2B5EF4-FFF2-40B4-BE49-F238E27FC236}">
-                <a16:creationId xmlns:a16="http://schemas.microsoft.com/office/drawing/2014/main" id="{D139E1D0-744B-6238-4D63-B7FB1AEA1A71}"/>
+                <a16:creationId xmlns:a16="http://schemas.microsoft.com/office/drawing/2014/main" id="{A95966C7-68BA-9B7F-D494-0A59788E7B1C}"/>
               </a:ext>
             </a:extLst>
           </p:cNvPr>
@@ -3926,14 +4121,89 @@
           <a:bodyPr/>
           <a:lstStyle/>
           <a:p>
-            <a:endParaRPr lang="en-ID" dirty="0"/>
-          </a:p>
-        </p:txBody>
-      </p:sp>
+            <a:r>
+              <a:rPr lang="en-US" dirty="0" err="1"/>
+              <a:t>Informasi</a:t>
+            </a:r>
+            <a:r>
+              <a:rPr lang="en-US" dirty="0"/>
+              <a:t> </a:t>
+            </a:r>
+            <a:r>
+              <a:rPr lang="en-US" dirty="0" err="1"/>
+              <a:t>akan</a:t>
+            </a:r>
+            <a:r>
+              <a:rPr lang="en-US" dirty="0"/>
+              <a:t> </a:t>
+            </a:r>
+            <a:r>
+              <a:rPr lang="en-US" dirty="0" err="1"/>
+              <a:t>ditampilkan</a:t>
+            </a:r>
+            <a:r>
+              <a:rPr lang="en-US" dirty="0"/>
+              <a:t> </a:t>
+            </a:r>
+            <a:r>
+              <a:rPr lang="en-US" dirty="0" err="1"/>
+              <a:t>dalam</a:t>
+            </a:r>
+            <a:r>
+              <a:rPr lang="en-US" dirty="0"/>
+              <a:t> </a:t>
+            </a:r>
+            <a:r>
+              <a:rPr lang="en-US" dirty="0" err="1"/>
+              <a:t>bentuk</a:t>
+            </a:r>
+            <a:r>
+              <a:rPr lang="en-US" dirty="0"/>
+              <a:t> List</a:t>
+            </a:r>
+          </a:p>
+        </p:txBody>
+      </p:sp>
+      <p:pic>
+        <p:nvPicPr>
+          <p:cNvPr id="5" name="Picture 4" descr="Graphical user interface, text&#10;&#10;Description automatically generated">
+            <a:extLst>
+              <a:ext uri="{FF2B5EF4-FFF2-40B4-BE49-F238E27FC236}">
+                <a16:creationId xmlns:a16="http://schemas.microsoft.com/office/drawing/2014/main" id="{ED90B86B-0C99-733C-73AF-1615709FE473}"/>
+              </a:ext>
+            </a:extLst>
+          </p:cNvPr>
+          <p:cNvPicPr>
+            <a:picLocks noChangeAspect="1"/>
+          </p:cNvPicPr>
+          <p:nvPr/>
+        </p:nvPicPr>
+        <p:blipFill>
+          <a:blip r:embed="rId2">
+            <a:extLst>
+              <a:ext uri="{28A0092B-C50C-407E-A947-70E740481C1C}">
+                <a14:useLocalDpi xmlns:a14="http://schemas.microsoft.com/office/drawing/2010/main" val="0"/>
+              </a:ext>
+            </a:extLst>
+          </a:blip>
+          <a:stretch>
+            <a:fillRect/>
+          </a:stretch>
+        </p:blipFill>
+        <p:spPr>
+          <a:xfrm>
+            <a:off x="1047075" y="2383906"/>
+            <a:ext cx="9109799" cy="3616075"/>
+          </a:xfrm>
+          <a:prstGeom prst="rect">
+            <a:avLst/>
+          </a:prstGeom>
+        </p:spPr>
+      </p:pic>
     </p:spTree>
     <p:extLst>
       <p:ext uri="{BB962C8B-B14F-4D97-AF65-F5344CB8AC3E}">
-        <p14:creationId xmlns:p14="http://schemas.microsoft.com/office/powerpoint/2010/main" val="2176087003"/>
+        <p14:creationId xmlns:p14="http://schemas.microsoft.com/office/powerpoint/2010/main" val="3824358165"/>
       </p:ext>
     </p:extLst>
   </p:cSld>
@@ -3965,7 +4235,7 @@
           <p:cNvPr id="2" name="Title 1">
             <a:extLst>
               <a:ext uri="{FF2B5EF4-FFF2-40B4-BE49-F238E27FC236}">
-                <a16:creationId xmlns:a16="http://schemas.microsoft.com/office/drawing/2014/main" id="{8D4FCCAF-B3AF-5D21-50F4-2E34FF460B97}"/>
+                <a16:creationId xmlns:a16="http://schemas.microsoft.com/office/drawing/2014/main" id="{1D0AC86E-6382-8F4C-2BEF-DE05A2550E6F}"/>
               </a:ext>
             </a:extLst>
           </p:cNvPr>
@@ -3983,7 +4253,7 @@
           <a:p>
             <a:r>
               <a:rPr lang="en-US" dirty="0"/>
-              <a:t>Functions</a:t>
+              <a:t>CONCEPTS</a:t>
             </a:r>
             <a:endParaRPr lang="en-ID" dirty="0"/>
           </a:p>
@@ -3994,7 +4264,7 @@
           <p:cNvPr id="3" name="Content Placeholder 2">
             <a:extLst>
               <a:ext uri="{FF2B5EF4-FFF2-40B4-BE49-F238E27FC236}">
-                <a16:creationId xmlns:a16="http://schemas.microsoft.com/office/drawing/2014/main" id="{FFE8B9E5-35A0-07B5-FB35-2488B2141009}"/>
+                <a16:creationId xmlns:a16="http://schemas.microsoft.com/office/drawing/2014/main" id="{F15CEE6D-9EE5-7489-5EBE-357676D87642}"/>
               </a:ext>
             </a:extLst>
           </p:cNvPr>
@@ -4011,47 +4281,72 @@
           <a:lstStyle/>
           <a:p>
             <a:r>
+              <a:rPr lang="en-US" dirty="0"/>
+              <a:t>Akan </a:t>
+            </a:r>
+            <a:r>
               <a:rPr lang="en-US" dirty="0" err="1"/>
-              <a:t>Komunikasi</a:t>
-            </a:r>
-            <a:r>
-              <a:rPr lang="en-US" dirty="0"/>
-              <a:t> </a:t>
+              <a:t>ada</a:t>
+            </a:r>
+            <a:r>
+              <a:rPr lang="en-US" dirty="0"/>
+              <a:t> Group Chat, </a:t>
             </a:r>
             <a:r>
               <a:rPr lang="en-US" dirty="0" err="1"/>
-              <a:t>secara</a:t>
-            </a:r>
-            <a:r>
-              <a:rPr lang="en-US" dirty="0"/>
-              <a:t> Chat</a:t>
-            </a:r>
-          </a:p>
-          <a:p>
-            <a:r>
-              <a:rPr lang="en-US" dirty="0" err="1"/>
-              <a:t>Telepon</a:t>
-            </a:r>
-            <a:endParaRPr lang="en-US" dirty="0"/>
-          </a:p>
-          <a:p>
-            <a:r>
-              <a:rPr lang="en-US" dirty="0"/>
-              <a:t>Video Call</a:t>
-            </a:r>
-          </a:p>
-          <a:p>
-            <a:r>
-              <a:rPr lang="en-US" dirty="0"/>
-              <a:t>Media Streaming</a:t>
-            </a:r>
-          </a:p>
-        </p:txBody>
-      </p:sp>
+              <a:t>Individu</a:t>
+            </a:r>
+            <a:r>
+              <a:rPr lang="en-US" dirty="0"/>
+              <a:t> Chat, dan Friends List</a:t>
+            </a:r>
+            <a:endParaRPr lang="en-ID" dirty="0"/>
+          </a:p>
+          <a:p>
+            <a:endParaRPr lang="en-ID" dirty="0"/>
+          </a:p>
+        </p:txBody>
+      </p:sp>
+      <p:pic>
+        <p:nvPicPr>
+          <p:cNvPr id="5" name="Picture 4" descr="A screenshot of a computer&#10;&#10;Description automatically generated with medium confidence">
+            <a:extLst>
+              <a:ext uri="{FF2B5EF4-FFF2-40B4-BE49-F238E27FC236}">
+                <a16:creationId xmlns:a16="http://schemas.microsoft.com/office/drawing/2014/main" id="{1822C1E5-107E-2C54-E2A7-01CA6F5CEAB9}"/>
+              </a:ext>
+            </a:extLst>
+          </p:cNvPr>
+          <p:cNvPicPr>
+            <a:picLocks noChangeAspect="1"/>
+          </p:cNvPicPr>
+          <p:nvPr/>
+        </p:nvPicPr>
+        <p:blipFill>
+          <a:blip r:embed="rId2">
+            <a:extLst>
+              <a:ext uri="{28A0092B-C50C-407E-A947-70E740481C1C}">
+                <a14:useLocalDpi xmlns:a14="http://schemas.microsoft.com/office/drawing/2010/main" val="0"/>
+              </a:ext>
+            </a:extLst>
+          </a:blip>
+          <a:stretch>
+            <a:fillRect/>
+          </a:stretch>
+        </p:blipFill>
+        <p:spPr>
+          <a:xfrm>
+            <a:off x="2822331" y="2303362"/>
+            <a:ext cx="6547338" cy="4329553"/>
+          </a:xfrm>
+          <a:prstGeom prst="rect">
+            <a:avLst/>
+          </a:prstGeom>
+        </p:spPr>
+      </p:pic>
     </p:spTree>
     <p:extLst>
       <p:ext uri="{BB962C8B-B14F-4D97-AF65-F5344CB8AC3E}">
-        <p14:creationId xmlns:p14="http://schemas.microsoft.com/office/powerpoint/2010/main" val="1292993245"/>
+        <p14:creationId xmlns:p14="http://schemas.microsoft.com/office/powerpoint/2010/main" val="611428803"/>
       </p:ext>
     </p:extLst>
   </p:cSld>
@@ -4083,7 +4378,7 @@
           <p:cNvPr id="2" name="Title 1">
             <a:extLst>
               <a:ext uri="{FF2B5EF4-FFF2-40B4-BE49-F238E27FC236}">
-                <a16:creationId xmlns:a16="http://schemas.microsoft.com/office/drawing/2014/main" id="{1A6ACE42-40D8-D2A5-56A9-8BA4C20E4840}"/>
+                <a16:creationId xmlns:a16="http://schemas.microsoft.com/office/drawing/2014/main" id="{FAAEEE61-2073-0172-BFBF-67EBB65376B3}"/>
               </a:ext>
             </a:extLst>
           </p:cNvPr>
@@ -4101,7 +4396,7 @@
           <a:p>
             <a:r>
               <a:rPr lang="en-US" dirty="0"/>
-              <a:t>Function Relationships</a:t>
+              <a:t>Object Relationships</a:t>
             </a:r>
             <a:endParaRPr lang="en-ID" dirty="0"/>
           </a:p>
@@ -4112,7 +4407,7 @@
           <p:cNvPr id="3" name="Content Placeholder 2">
             <a:extLst>
               <a:ext uri="{FF2B5EF4-FFF2-40B4-BE49-F238E27FC236}">
-                <a16:creationId xmlns:a16="http://schemas.microsoft.com/office/drawing/2014/main" id="{04895781-9550-E2FF-8AEC-F11AE259A44A}"/>
+                <a16:creationId xmlns:a16="http://schemas.microsoft.com/office/drawing/2014/main" id="{8D665C2D-B058-A478-C891-2F56F6CD54EA}"/>
               </a:ext>
             </a:extLst>
           </p:cNvPr>
@@ -4129,12 +4424,16 @@
           <a:lstStyle/>
           <a:p>
             <a:r>
+              <a:rPr lang="en-US" dirty="0"/>
+              <a:t>User yang </a:t>
+            </a:r>
+            <a:r>
               <a:rPr lang="en-US" dirty="0" err="1"/>
-              <a:t>Tidak</a:t>
-            </a:r>
-            <a:r>
-              <a:rPr lang="en-US" dirty="0"/>
-              <a:t> </a:t>
+              <a:t>terdapat</a:t>
+            </a:r>
+            <a:r>
+              <a:rPr lang="en-US" dirty="0"/>
+              <a:t> pada Friend List </a:t>
             </a:r>
             <a:r>
               <a:rPr lang="en-US" dirty="0" err="1"/>
@@ -4146,55 +4445,57 @@
             </a:r>
             <a:r>
               <a:rPr lang="en-US" dirty="0" err="1"/>
+              <a:t>melihat</a:t>
+            </a:r>
+            <a:r>
+              <a:rPr lang="en-US" dirty="0"/>
+              <a:t> Status User lain yang </a:t>
+            </a:r>
+            <a:r>
+              <a:rPr lang="en-US" dirty="0" err="1"/>
+              <a:t>ada</a:t>
+            </a:r>
+            <a:r>
+              <a:rPr lang="en-US" dirty="0"/>
+              <a:t> di Friend List</a:t>
+            </a:r>
+          </a:p>
+          <a:p>
+            <a:r>
+              <a:rPr lang="en-US" dirty="0"/>
+              <a:t>User </a:t>
+            </a:r>
+            <a:r>
+              <a:rPr lang="en-US" dirty="0" err="1"/>
+              <a:t>dapat</a:t>
+            </a:r>
+            <a:r>
+              <a:rPr lang="en-US" dirty="0"/>
+              <a:t> </a:t>
+            </a:r>
+            <a:r>
+              <a:rPr lang="en-US" dirty="0" err="1"/>
               <a:t>melakukan</a:t>
             </a:r>
             <a:r>
               <a:rPr lang="en-US" dirty="0"/>
-              <a:t> Voice Call </a:t>
+              <a:t> Chat </a:t>
             </a:r>
             <a:r>
               <a:rPr lang="en-US" dirty="0" err="1"/>
-              <a:t>dengan</a:t>
-            </a:r>
-            <a:r>
-              <a:rPr lang="en-US" dirty="0"/>
-              <a:t> User lain, </a:t>
+              <a:t>Individu</a:t>
+            </a:r>
+            <a:r>
+              <a:rPr lang="en-US" dirty="0"/>
+              <a:t> pada User yang </a:t>
             </a:r>
             <a:r>
               <a:rPr lang="en-US" dirty="0" err="1"/>
-              <a:t>jika</a:t>
-            </a:r>
-            <a:r>
-              <a:rPr lang="en-US" dirty="0"/>
-              <a:t> </a:t>
-            </a:r>
-            <a:r>
-              <a:rPr lang="en-US" dirty="0" err="1"/>
-              <a:t>masih</a:t>
-            </a:r>
-            <a:r>
-              <a:rPr lang="en-US" dirty="0"/>
-              <a:t> </a:t>
-            </a:r>
-            <a:r>
-              <a:rPr lang="en-US" dirty="0" err="1"/>
-              <a:t>terhubung</a:t>
-            </a:r>
-            <a:r>
-              <a:rPr lang="en-US" dirty="0"/>
-              <a:t> </a:t>
-            </a:r>
-            <a:r>
-              <a:rPr lang="en-US" dirty="0" err="1"/>
-              <a:t>dengan</a:t>
-            </a:r>
-            <a:r>
-              <a:rPr lang="en-US" dirty="0"/>
-              <a:t> Voice Call pada User </a:t>
-            </a:r>
-            <a:r>
-              <a:rPr lang="en-US" dirty="0" err="1"/>
-              <a:t>pertama</a:t>
+              <a:t>tergabung</a:t>
+            </a:r>
+            <a:r>
+              <a:rPr lang="en-US" dirty="0"/>
+              <a:t> pada Group Chat</a:t>
             </a:r>
             <a:endParaRPr lang="en-ID" dirty="0"/>
           </a:p>
@@ -4203,7 +4504,7 @@
     </p:spTree>
     <p:extLst>
       <p:ext uri="{BB962C8B-B14F-4D97-AF65-F5344CB8AC3E}">
-        <p14:creationId xmlns:p14="http://schemas.microsoft.com/office/powerpoint/2010/main" val="717313115"/>
+        <p14:creationId xmlns:p14="http://schemas.microsoft.com/office/powerpoint/2010/main" val="2009203607"/>
       </p:ext>
     </p:extLst>
   </p:cSld>
@@ -4235,7 +4536,7 @@
           <p:cNvPr id="2" name="Title 1">
             <a:extLst>
               <a:ext uri="{FF2B5EF4-FFF2-40B4-BE49-F238E27FC236}">
-                <a16:creationId xmlns:a16="http://schemas.microsoft.com/office/drawing/2014/main" id="{37673098-A423-7987-1E9B-2043A58E2D46}"/>
+                <a16:creationId xmlns:a16="http://schemas.microsoft.com/office/drawing/2014/main" id="{8D4FCCAF-B3AF-5D21-50F4-2E34FF460B97}"/>
               </a:ext>
             </a:extLst>
           </p:cNvPr>
@@ -4253,7 +4554,7 @@
           <a:p>
             <a:r>
               <a:rPr lang="en-US" dirty="0"/>
-              <a:t>Data</a:t>
+              <a:t>Functions</a:t>
             </a:r>
             <a:endParaRPr lang="en-ID" dirty="0"/>
           </a:p>
@@ -4264,7 +4565,7 @@
           <p:cNvPr id="3" name="Content Placeholder 2">
             <a:extLst>
               <a:ext uri="{FF2B5EF4-FFF2-40B4-BE49-F238E27FC236}">
-                <a16:creationId xmlns:a16="http://schemas.microsoft.com/office/drawing/2014/main" id="{B9D388F0-D8D0-9037-1F83-A10A8B0AD777}"/>
+                <a16:creationId xmlns:a16="http://schemas.microsoft.com/office/drawing/2014/main" id="{FFE8B9E5-35A0-07B5-FB35-2488B2141009}"/>
               </a:ext>
             </a:extLst>
           </p:cNvPr>
@@ -4281,79 +4582,199 @@
           <a:lstStyle/>
           <a:p>
             <a:r>
-              <a:rPr lang="en-US" dirty="0"/>
-              <a:t>Data </a:t>
-            </a:r>
-            <a:r>
               <a:rPr lang="en-US" dirty="0" err="1"/>
-              <a:t>dimasukan</a:t>
-            </a:r>
-            <a:r>
-              <a:rPr lang="en-US" dirty="0"/>
-              <a:t> oleh User </a:t>
+              <a:t>Komunikasi</a:t>
+            </a:r>
+            <a:r>
+              <a:rPr lang="en-US" dirty="0"/>
+              <a:t> </a:t>
             </a:r>
             <a:r>
               <a:rPr lang="en-US" dirty="0" err="1"/>
-              <a:t>melalui</a:t>
-            </a:r>
-            <a:r>
-              <a:rPr lang="en-US" dirty="0"/>
-              <a:t> UI</a:t>
+              <a:t>secara</a:t>
+            </a:r>
+            <a:r>
+              <a:rPr lang="en-US" dirty="0"/>
+              <a:t> Chat</a:t>
             </a:r>
           </a:p>
           <a:p>
             <a:r>
               <a:rPr lang="en-US" dirty="0" err="1"/>
-              <a:t>Kemudian</a:t>
-            </a:r>
-            <a:r>
-              <a:rPr lang="en-US" dirty="0"/>
-              <a:t> data </a:t>
-            </a:r>
-            <a:r>
-              <a:rPr lang="en-US" dirty="0" err="1"/>
-              <a:t>akan</a:t>
-            </a:r>
-            <a:r>
-              <a:rPr lang="en-US" dirty="0"/>
-              <a:t> </a:t>
-            </a:r>
-            <a:r>
-              <a:rPr lang="en-US" dirty="0" err="1"/>
-              <a:t>ditampilkan</a:t>
-            </a:r>
-            <a:r>
-              <a:rPr lang="en-US" dirty="0"/>
-              <a:t> </a:t>
-            </a:r>
-            <a:r>
-              <a:rPr lang="en-US" dirty="0" err="1"/>
-              <a:t>terhadap</a:t>
-            </a:r>
-            <a:r>
-              <a:rPr lang="en-US" dirty="0"/>
-              <a:t> User lain </a:t>
-            </a:r>
-            <a:r>
-              <a:rPr lang="en-US" dirty="0" err="1"/>
-              <a:t>melalui</a:t>
-            </a:r>
-            <a:r>
-              <a:rPr lang="en-US" dirty="0"/>
-              <a:t> UI User </a:t>
-            </a:r>
-            <a:r>
-              <a:rPr lang="en-US" dirty="0" err="1"/>
-              <a:t>tersebut</a:t>
-            </a:r>
-            <a:endParaRPr lang="en-ID" dirty="0"/>
+              <a:t>Telepon</a:t>
+            </a:r>
+            <a:endParaRPr lang="en-US" dirty="0"/>
+          </a:p>
+          <a:p>
+            <a:r>
+              <a:rPr lang="en-US" dirty="0"/>
+              <a:t>Video Call</a:t>
+            </a:r>
+          </a:p>
+          <a:p>
+            <a:r>
+              <a:rPr lang="en-US" dirty="0"/>
+              <a:t>Media Streaming</a:t>
+            </a:r>
           </a:p>
         </p:txBody>
       </p:sp>
     </p:spTree>
     <p:extLst>
       <p:ext uri="{BB962C8B-B14F-4D97-AF65-F5344CB8AC3E}">
-        <p14:creationId xmlns:p14="http://schemas.microsoft.com/office/powerpoint/2010/main" val="2443993069"/>
+        <p14:creationId xmlns:p14="http://schemas.microsoft.com/office/powerpoint/2010/main" val="1292993245"/>
+      </p:ext>
+    </p:extLst>
+  </p:cSld>
+  <p:clrMapOvr>
+    <a:masterClrMapping/>
+  </p:clrMapOvr>
+</p:sld>
+</file>
+
+<file path=ppt/slides/slide9.xml><?xml version="1.0" encoding="utf-8"?>
+<p:sld xmlns:a="http://schemas.openxmlformats.org/drawingml/2006/main" xmlns:r="http://schemas.openxmlformats.org/officeDocument/2006/relationships" xmlns:p="http://schemas.openxmlformats.org/presentationml/2006/main">
+  <p:cSld>
+    <p:spTree>
+      <p:nvGrpSpPr>
+        <p:cNvPr id="1" name=""/>
+        <p:cNvGrpSpPr/>
+        <p:nvPr/>
+      </p:nvGrpSpPr>
+      <p:grpSpPr>
+        <a:xfrm>
+          <a:off x="0" y="0"/>
+          <a:ext cx="0" cy="0"/>
+          <a:chOff x="0" y="0"/>
+          <a:chExt cx="0" cy="0"/>
+        </a:xfrm>
+      </p:grpSpPr>
+      <p:sp>
+        <p:nvSpPr>
+          <p:cNvPr id="2" name="Title 1">
+            <a:extLst>
+              <a:ext uri="{FF2B5EF4-FFF2-40B4-BE49-F238E27FC236}">
+                <a16:creationId xmlns:a16="http://schemas.microsoft.com/office/drawing/2014/main" id="{1A6ACE42-40D8-D2A5-56A9-8BA4C20E4840}"/>
+              </a:ext>
+            </a:extLst>
+          </p:cNvPr>
+          <p:cNvSpPr>
+            <a:spLocks noGrp="1"/>
+          </p:cNvSpPr>
+          <p:nvPr>
+            <p:ph type="title"/>
+          </p:nvPr>
+        </p:nvSpPr>
+        <p:spPr/>
+        <p:txBody>
+          <a:bodyPr/>
+          <a:lstStyle/>
+          <a:p>
+            <a:r>
+              <a:rPr lang="en-US" dirty="0"/>
+              <a:t>Function Relationships</a:t>
+            </a:r>
+            <a:endParaRPr lang="en-ID" dirty="0"/>
+          </a:p>
+        </p:txBody>
+      </p:sp>
+      <p:sp>
+        <p:nvSpPr>
+          <p:cNvPr id="3" name="Content Placeholder 2">
+            <a:extLst>
+              <a:ext uri="{FF2B5EF4-FFF2-40B4-BE49-F238E27FC236}">
+                <a16:creationId xmlns:a16="http://schemas.microsoft.com/office/drawing/2014/main" id="{04895781-9550-E2FF-8AEC-F11AE259A44A}"/>
+              </a:ext>
+            </a:extLst>
+          </p:cNvPr>
+          <p:cNvSpPr>
+            <a:spLocks noGrp="1"/>
+          </p:cNvSpPr>
+          <p:nvPr>
+            <p:ph idx="1"/>
+          </p:nvPr>
+        </p:nvSpPr>
+        <p:spPr/>
+        <p:txBody>
+          <a:bodyPr/>
+          <a:lstStyle/>
+          <a:p>
+            <a:r>
+              <a:rPr lang="en-US" dirty="0" err="1"/>
+              <a:t>Tidak</a:t>
+            </a:r>
+            <a:r>
+              <a:rPr lang="en-US" dirty="0"/>
+              <a:t> </a:t>
+            </a:r>
+            <a:r>
+              <a:rPr lang="en-US" dirty="0" err="1"/>
+              <a:t>dapat</a:t>
+            </a:r>
+            <a:r>
+              <a:rPr lang="en-US" dirty="0"/>
+              <a:t> </a:t>
+            </a:r>
+            <a:r>
+              <a:rPr lang="en-US" dirty="0" err="1"/>
+              <a:t>melakukan</a:t>
+            </a:r>
+            <a:r>
+              <a:rPr lang="en-US" dirty="0"/>
+              <a:t> Voice Call </a:t>
+            </a:r>
+            <a:r>
+              <a:rPr lang="en-US" dirty="0" err="1"/>
+              <a:t>dengan</a:t>
+            </a:r>
+            <a:r>
+              <a:rPr lang="en-US" dirty="0"/>
+              <a:t> User lain, </a:t>
+            </a:r>
+            <a:r>
+              <a:rPr lang="en-US" dirty="0" err="1"/>
+              <a:t>jika</a:t>
+            </a:r>
+            <a:r>
+              <a:rPr lang="en-US" dirty="0"/>
+              <a:t> </a:t>
+            </a:r>
+            <a:r>
+              <a:rPr lang="en-US" dirty="0" err="1"/>
+              <a:t>masih</a:t>
+            </a:r>
+            <a:r>
+              <a:rPr lang="en-US" dirty="0"/>
+              <a:t> </a:t>
+            </a:r>
+            <a:r>
+              <a:rPr lang="en-US" dirty="0" err="1"/>
+              <a:t>terhubung</a:t>
+            </a:r>
+            <a:r>
+              <a:rPr lang="en-US" dirty="0"/>
+              <a:t> </a:t>
+            </a:r>
+            <a:r>
+              <a:rPr lang="en-US" dirty="0" err="1"/>
+              <a:t>dengan</a:t>
+            </a:r>
+            <a:r>
+              <a:rPr lang="en-US" dirty="0"/>
+              <a:t> Voice Call pada User </a:t>
+            </a:r>
+            <a:r>
+              <a:rPr lang="en-US" dirty="0" err="1"/>
+              <a:t>pertama</a:t>
+            </a:r>
+            <a:endParaRPr lang="en-ID" dirty="0"/>
+          </a:p>
+        </p:txBody>
+      </p:sp>
+    </p:spTree>
+    <p:extLst>
+      <p:ext uri="{BB962C8B-B14F-4D97-AF65-F5344CB8AC3E}">
+        <p14:creationId xmlns:p14="http://schemas.microsoft.com/office/powerpoint/2010/main" val="717313115"/>
       </p:ext>
     </p:extLst>
   </p:cSld>

--- a/Aplikasi Binus Chatting.pptx
+++ b/Aplikasi Binus Chatting.pptx
@@ -8,13 +8,14 @@
     <p:sldId id="256" r:id="rId2"/>
     <p:sldId id="264" r:id="rId3"/>
     <p:sldId id="265" r:id="rId4"/>
-    <p:sldId id="266" r:id="rId5"/>
-    <p:sldId id="257" r:id="rId6"/>
-    <p:sldId id="258" r:id="rId7"/>
-    <p:sldId id="259" r:id="rId8"/>
+    <p:sldId id="257" r:id="rId5"/>
+    <p:sldId id="258" r:id="rId6"/>
+    <p:sldId id="259" r:id="rId7"/>
+    <p:sldId id="266" r:id="rId8"/>
     <p:sldId id="261" r:id="rId9"/>
     <p:sldId id="262" r:id="rId10"/>
     <p:sldId id="263" r:id="rId11"/>
+    <p:sldId id="267" r:id="rId12"/>
   </p:sldIdLst>
   <p:sldSz cx="12192000" cy="6858000"/>
   <p:notesSz cx="6858000" cy="9144000"/>
@@ -270,7 +271,7 @@
           <a:p>
             <a:fld id="{2AFEEB8D-9F75-421D-90DE-3F16AE17FD5E}" type="datetimeFigureOut">
               <a:rPr lang="en-ID" smtClean="0"/>
-              <a:t>23/02/2023</a:t>
+              <a:t>02/03/2023</a:t>
             </a:fld>
             <a:endParaRPr lang="en-ID"/>
           </a:p>
@@ -470,7 +471,7 @@
           <a:p>
             <a:fld id="{2AFEEB8D-9F75-421D-90DE-3F16AE17FD5E}" type="datetimeFigureOut">
               <a:rPr lang="en-ID" smtClean="0"/>
-              <a:t>23/02/2023</a:t>
+              <a:t>02/03/2023</a:t>
             </a:fld>
             <a:endParaRPr lang="en-ID"/>
           </a:p>
@@ -680,7 +681,7 @@
           <a:p>
             <a:fld id="{2AFEEB8D-9F75-421D-90DE-3F16AE17FD5E}" type="datetimeFigureOut">
               <a:rPr lang="en-ID" smtClean="0"/>
-              <a:t>23/02/2023</a:t>
+              <a:t>02/03/2023</a:t>
             </a:fld>
             <a:endParaRPr lang="en-ID"/>
           </a:p>
@@ -880,7 +881,7 @@
           <a:p>
             <a:fld id="{2AFEEB8D-9F75-421D-90DE-3F16AE17FD5E}" type="datetimeFigureOut">
               <a:rPr lang="en-ID" smtClean="0"/>
-              <a:t>23/02/2023</a:t>
+              <a:t>02/03/2023</a:t>
             </a:fld>
             <a:endParaRPr lang="en-ID"/>
           </a:p>
@@ -1156,7 +1157,7 @@
           <a:p>
             <a:fld id="{2AFEEB8D-9F75-421D-90DE-3F16AE17FD5E}" type="datetimeFigureOut">
               <a:rPr lang="en-ID" smtClean="0"/>
-              <a:t>23/02/2023</a:t>
+              <a:t>02/03/2023</a:t>
             </a:fld>
             <a:endParaRPr lang="en-ID"/>
           </a:p>
@@ -1424,7 +1425,7 @@
           <a:p>
             <a:fld id="{2AFEEB8D-9F75-421D-90DE-3F16AE17FD5E}" type="datetimeFigureOut">
               <a:rPr lang="en-ID" smtClean="0"/>
-              <a:t>23/02/2023</a:t>
+              <a:t>02/03/2023</a:t>
             </a:fld>
             <a:endParaRPr lang="en-ID"/>
           </a:p>
@@ -1839,7 +1840,7 @@
           <a:p>
             <a:fld id="{2AFEEB8D-9F75-421D-90DE-3F16AE17FD5E}" type="datetimeFigureOut">
               <a:rPr lang="en-ID" smtClean="0"/>
-              <a:t>23/02/2023</a:t>
+              <a:t>02/03/2023</a:t>
             </a:fld>
             <a:endParaRPr lang="en-ID"/>
           </a:p>
@@ -1981,7 +1982,7 @@
           <a:p>
             <a:fld id="{2AFEEB8D-9F75-421D-90DE-3F16AE17FD5E}" type="datetimeFigureOut">
               <a:rPr lang="en-ID" smtClean="0"/>
-              <a:t>23/02/2023</a:t>
+              <a:t>02/03/2023</a:t>
             </a:fld>
             <a:endParaRPr lang="en-ID"/>
           </a:p>
@@ -2094,7 +2095,7 @@
           <a:p>
             <a:fld id="{2AFEEB8D-9F75-421D-90DE-3F16AE17FD5E}" type="datetimeFigureOut">
               <a:rPr lang="en-ID" smtClean="0"/>
-              <a:t>23/02/2023</a:t>
+              <a:t>02/03/2023</a:t>
             </a:fld>
             <a:endParaRPr lang="en-ID"/>
           </a:p>
@@ -2407,7 +2408,7 @@
           <a:p>
             <a:fld id="{2AFEEB8D-9F75-421D-90DE-3F16AE17FD5E}" type="datetimeFigureOut">
               <a:rPr lang="en-ID" smtClean="0"/>
-              <a:t>23/02/2023</a:t>
+              <a:t>02/03/2023</a:t>
             </a:fld>
             <a:endParaRPr lang="en-ID"/>
           </a:p>
@@ -2696,7 +2697,7 @@
           <a:p>
             <a:fld id="{2AFEEB8D-9F75-421D-90DE-3F16AE17FD5E}" type="datetimeFigureOut">
               <a:rPr lang="en-ID" smtClean="0"/>
-              <a:t>23/02/2023</a:t>
+              <a:t>02/03/2023</a:t>
             </a:fld>
             <a:endParaRPr lang="en-ID"/>
           </a:p>
@@ -2939,7 +2940,7 @@
           <a:p>
             <a:fld id="{2AFEEB8D-9F75-421D-90DE-3F16AE17FD5E}" type="datetimeFigureOut">
               <a:rPr lang="en-ID" smtClean="0"/>
-              <a:t>23/02/2023</a:t>
+              <a:t>02/03/2023</a:t>
             </a:fld>
             <a:endParaRPr lang="en-ID"/>
           </a:p>
@@ -3379,19 +3380,15 @@
           <a:p>
             <a:r>
               <a:rPr lang="en-US" dirty="0" err="1"/>
-              <a:t>Aplikasi</a:t>
-            </a:r>
-            <a:r>
-              <a:rPr lang="en-US" dirty="0"/>
-              <a:t> </a:t>
-            </a:r>
-            <a:r>
-              <a:rPr lang="en-US" dirty="0" err="1"/>
               <a:t>Binus</a:t>
             </a:r>
             <a:r>
               <a:rPr lang="en-US" dirty="0"/>
-              <a:t> Chatting</a:t>
+              <a:t> Chatting for </a:t>
+            </a:r>
+            <a:r>
+              <a:rPr lang="en-US" dirty="0" err="1"/>
+              <a:t>Binusmaya</a:t>
             </a:r>
             <a:endParaRPr lang="en-ID" dirty="0"/>
           </a:p>
@@ -3663,6 +3660,112 @@
 </p:sld>
 </file>
 
+<file path=ppt/slides/slide11.xml><?xml version="1.0" encoding="utf-8"?>
+<p:sld xmlns:a="http://schemas.openxmlformats.org/drawingml/2006/main" xmlns:r="http://schemas.openxmlformats.org/officeDocument/2006/relationships" xmlns:p="http://schemas.openxmlformats.org/presentationml/2006/main">
+  <p:cSld>
+    <p:spTree>
+      <p:nvGrpSpPr>
+        <p:cNvPr id="1" name=""/>
+        <p:cNvGrpSpPr/>
+        <p:nvPr/>
+      </p:nvGrpSpPr>
+      <p:grpSpPr>
+        <a:xfrm>
+          <a:off x="0" y="0"/>
+          <a:ext cx="0" cy="0"/>
+          <a:chOff x="0" y="0"/>
+          <a:chExt cx="0" cy="0"/>
+        </a:xfrm>
+      </p:grpSpPr>
+      <p:sp>
+        <p:nvSpPr>
+          <p:cNvPr id="2" name="Title 1">
+            <a:extLst>
+              <a:ext uri="{FF2B5EF4-FFF2-40B4-BE49-F238E27FC236}">
+                <a16:creationId xmlns:a16="http://schemas.microsoft.com/office/drawing/2014/main" id="{A56D889D-7B3B-5D5F-BC5E-1E6169B9F5C1}"/>
+              </a:ext>
+            </a:extLst>
+          </p:cNvPr>
+          <p:cNvSpPr>
+            <a:spLocks noGrp="1"/>
+          </p:cNvSpPr>
+          <p:nvPr>
+            <p:ph type="title"/>
+          </p:nvPr>
+        </p:nvSpPr>
+        <p:spPr/>
+        <p:txBody>
+          <a:bodyPr/>
+          <a:lstStyle/>
+          <a:p>
+            <a:r>
+              <a:rPr lang="en-US" dirty="0"/>
+              <a:t>Fitur Yang Kurang &amp; </a:t>
+            </a:r>
+            <a:r>
+              <a:rPr lang="en-US" dirty="0" err="1"/>
+              <a:t>Dapat</a:t>
+            </a:r>
+            <a:r>
+              <a:rPr lang="en-US" dirty="0"/>
+              <a:t> </a:t>
+            </a:r>
+            <a:r>
+              <a:rPr lang="en-US" dirty="0" err="1"/>
+              <a:t>Ditingkatkan</a:t>
+            </a:r>
+            <a:endParaRPr lang="en-ID" dirty="0"/>
+          </a:p>
+        </p:txBody>
+      </p:sp>
+      <p:sp>
+        <p:nvSpPr>
+          <p:cNvPr id="3" name="Content Placeholder 2">
+            <a:extLst>
+              <a:ext uri="{FF2B5EF4-FFF2-40B4-BE49-F238E27FC236}">
+                <a16:creationId xmlns:a16="http://schemas.microsoft.com/office/drawing/2014/main" id="{DA92DB90-2ED1-F4C0-A9FE-2A7946456F48}"/>
+              </a:ext>
+            </a:extLst>
+          </p:cNvPr>
+          <p:cNvSpPr>
+            <a:spLocks noGrp="1"/>
+          </p:cNvSpPr>
+          <p:nvPr>
+            <p:ph idx="1"/>
+          </p:nvPr>
+        </p:nvSpPr>
+        <p:spPr/>
+        <p:txBody>
+          <a:bodyPr/>
+          <a:lstStyle/>
+          <a:p>
+            <a:r>
+              <a:rPr lang="en-US" dirty="0"/>
+              <a:t>Fitur Voice Call</a:t>
+            </a:r>
+          </a:p>
+          <a:p>
+            <a:r>
+              <a:rPr lang="en-US" dirty="0"/>
+              <a:t>Fitur Media Sharing</a:t>
+            </a:r>
+            <a:endParaRPr lang="en-ID" dirty="0"/>
+          </a:p>
+        </p:txBody>
+      </p:sp>
+    </p:spTree>
+    <p:extLst>
+      <p:ext uri="{BB962C8B-B14F-4D97-AF65-F5344CB8AC3E}">
+        <p14:creationId xmlns:p14="http://schemas.microsoft.com/office/powerpoint/2010/main" val="912997538"/>
+      </p:ext>
+    </p:extLst>
+  </p:cSld>
+  <p:clrMapOvr>
+    <a:masterClrMapping/>
+  </p:clrMapOvr>
+</p:sld>
+</file>
+
 <file path=ppt/slides/slide2.xml><?xml version="1.0" encoding="utf-8"?>
 <p:sld xmlns:a="http://schemas.openxmlformats.org/drawingml/2006/main" xmlns:r="http://schemas.openxmlformats.org/officeDocument/2006/relationships" xmlns:p="http://schemas.openxmlformats.org/presentationml/2006/main">
   <p:cSld>
@@ -3739,13 +3842,7 @@
           <a:p>
             <a:r>
               <a:rPr lang="en-US" dirty="0"/>
-              <a:t>Chatting App for Students</a:t>
-            </a:r>
-          </a:p>
-          <a:p>
-            <a:r>
-              <a:rPr lang="en-US" dirty="0"/>
-              <a:t>Easy to use</a:t>
+              <a:t>Easy to Access Chatting Feature between Students and Lecturers</a:t>
             </a:r>
           </a:p>
         </p:txBody>
@@ -3845,23 +3942,50 @@
           <a:p>
             <a:r>
               <a:rPr lang="en-US" dirty="0"/>
-              <a:t>Voice &amp; Video Call</a:t>
-            </a:r>
-          </a:p>
-          <a:p>
-            <a:r>
-              <a:rPr lang="en-US" dirty="0"/>
-              <a:t>Media Streaming</a:t>
-            </a:r>
-          </a:p>
-          <a:p>
-            <a:r>
-              <a:rPr lang="en-US" dirty="0"/>
-              <a:t>Server or Community Chat</a:t>
-            </a:r>
-          </a:p>
-        </p:txBody>
-      </p:sp>
+              <a:t>Community Chat</a:t>
+            </a:r>
+          </a:p>
+          <a:p>
+            <a:endParaRPr lang="en-ID" dirty="0"/>
+          </a:p>
+        </p:txBody>
+      </p:sp>
+      <p:pic>
+        <p:nvPicPr>
+          <p:cNvPr id="5" name="Picture 4" descr="Graphical user interface, text, application, chat or text message&#10;&#10;Description automatically generated">
+            <a:extLst>
+              <a:ext uri="{FF2B5EF4-FFF2-40B4-BE49-F238E27FC236}">
+                <a16:creationId xmlns:a16="http://schemas.microsoft.com/office/drawing/2014/main" id="{64DBC38D-D726-1910-CCDE-BA815043AC62}"/>
+              </a:ext>
+            </a:extLst>
+          </p:cNvPr>
+          <p:cNvPicPr>
+            <a:picLocks noChangeAspect="1"/>
+          </p:cNvPicPr>
+          <p:nvPr/>
+        </p:nvPicPr>
+        <p:blipFill>
+          <a:blip r:embed="rId2">
+            <a:extLst>
+              <a:ext uri="{28A0092B-C50C-407E-A947-70E740481C1C}">
+                <a14:useLocalDpi xmlns:a14="http://schemas.microsoft.com/office/drawing/2010/main" val="0"/>
+              </a:ext>
+            </a:extLst>
+          </a:blip>
+          <a:stretch>
+            <a:fillRect/>
+          </a:stretch>
+        </p:blipFill>
+        <p:spPr>
+          <a:xfrm>
+            <a:off x="5279521" y="1379095"/>
+            <a:ext cx="6179210" cy="4634407"/>
+          </a:xfrm>
+          <a:prstGeom prst="rect">
+            <a:avLst/>
+          </a:prstGeom>
+        </p:spPr>
+      </p:pic>
     </p:spTree>
     <p:extLst>
       <p:ext uri="{BB962C8B-B14F-4D97-AF65-F5344CB8AC3E}">
@@ -3897,7 +4021,7 @@
           <p:cNvPr id="2" name="Title 1">
             <a:extLst>
               <a:ext uri="{FF2B5EF4-FFF2-40B4-BE49-F238E27FC236}">
-                <a16:creationId xmlns:a16="http://schemas.microsoft.com/office/drawing/2014/main" id="{3FF52D20-5B88-BF22-BAA3-B85CE3602A34}"/>
+                <a16:creationId xmlns:a16="http://schemas.microsoft.com/office/drawing/2014/main" id="{A597875E-44D6-DB36-C8E4-8B17B894236C}"/>
               </a:ext>
             </a:extLst>
           </p:cNvPr>
@@ -3915,34 +4039,89 @@
           <a:p>
             <a:r>
               <a:rPr lang="en-US" dirty="0"/>
-              <a:t>What </a:t>
-            </a:r>
-            <a:r>
-              <a:rPr lang="en-US" dirty="0" err="1"/>
-              <a:t>Binus</a:t>
-            </a:r>
-            <a:r>
-              <a:rPr lang="en-US" dirty="0"/>
-              <a:t> Chatting want to make?</a:t>
+              <a:t>METAFORA</a:t>
+            </a:r>
+            <a:endParaRPr lang="en-ID" dirty="0"/>
+          </a:p>
+        </p:txBody>
+      </p:sp>
+      <p:sp>
+        <p:nvSpPr>
+          <p:cNvPr id="3" name="Content Placeholder 2">
+            <a:extLst>
+              <a:ext uri="{FF2B5EF4-FFF2-40B4-BE49-F238E27FC236}">
+                <a16:creationId xmlns:a16="http://schemas.microsoft.com/office/drawing/2014/main" id="{A95966C7-68BA-9B7F-D494-0A59788E7B1C}"/>
+              </a:ext>
+            </a:extLst>
+          </p:cNvPr>
+          <p:cNvSpPr>
+            <a:spLocks noGrp="1"/>
+          </p:cNvSpPr>
+          <p:nvPr>
+            <p:ph idx="1"/>
+          </p:nvPr>
+        </p:nvSpPr>
+        <p:spPr/>
+        <p:txBody>
+          <a:bodyPr/>
+          <a:lstStyle/>
+          <a:p>
+            <a:r>
+              <a:rPr lang="en-US" dirty="0" err="1"/>
+              <a:t>Informasi</a:t>
+            </a:r>
+            <a:r>
+              <a:rPr lang="en-US" dirty="0"/>
+              <a:t> </a:t>
+            </a:r>
+            <a:r>
+              <a:rPr lang="en-US" dirty="0" err="1"/>
+              <a:t>akan</a:t>
+            </a:r>
+            <a:r>
+              <a:rPr lang="en-US" dirty="0"/>
+              <a:t> </a:t>
+            </a:r>
+            <a:r>
+              <a:rPr lang="en-US" dirty="0" err="1"/>
+              <a:t>ditampilkan</a:t>
+            </a:r>
+            <a:r>
+              <a:rPr lang="en-US" dirty="0"/>
+              <a:t> </a:t>
+            </a:r>
+            <a:r>
+              <a:rPr lang="en-US" dirty="0" err="1"/>
+              <a:t>dalam</a:t>
+            </a:r>
+            <a:r>
+              <a:rPr lang="en-US" dirty="0"/>
+              <a:t> </a:t>
+            </a:r>
+            <a:r>
+              <a:rPr lang="en-US" dirty="0" err="1"/>
+              <a:t>bentuk</a:t>
+            </a:r>
+            <a:r>
+              <a:rPr lang="en-US" dirty="0"/>
+              <a:t> List</a:t>
             </a:r>
           </a:p>
         </p:txBody>
       </p:sp>
       <p:pic>
         <p:nvPicPr>
-          <p:cNvPr id="4" name="Content Placeholder 3" descr="A screenshot of a computer&#10;&#10;Description automatically generated with medium confidence">
-            <a:extLst>
-              <a:ext uri="{FF2B5EF4-FFF2-40B4-BE49-F238E27FC236}">
-                <a16:creationId xmlns:a16="http://schemas.microsoft.com/office/drawing/2014/main" id="{DD2FBB08-852D-D289-88D9-4917CA58EFDD}"/>
+          <p:cNvPr id="4" name="Picture 3" descr="A screenshot of a computer&#10;&#10;Description automatically generated with medium confidence">
+            <a:extLst>
+              <a:ext uri="{FF2B5EF4-FFF2-40B4-BE49-F238E27FC236}">
+                <a16:creationId xmlns:a16="http://schemas.microsoft.com/office/drawing/2014/main" id="{428603AF-F4D3-C092-E241-CD2DF3D502C3}"/>
               </a:ext>
             </a:extLst>
           </p:cNvPr>
           <p:cNvPicPr>
-            <a:picLocks noGrp="1" noChangeAspect="1"/>
+            <a:picLocks noChangeAspect="1"/>
           </p:cNvPicPr>
-          <p:nvPr>
-            <p:ph idx="1"/>
-          </p:nvPr>
+          <p:nvPr/>
         </p:nvPicPr>
         <p:blipFill>
           <a:blip r:embed="rId2">
@@ -3958,93 +4137,18 @@
         </p:blipFill>
         <p:spPr>
           <a:xfrm>
-            <a:off x="555918" y="1478080"/>
-            <a:ext cx="4601712" cy="2770363"/>
+            <a:off x="2822331" y="2236687"/>
+            <a:ext cx="6547338" cy="4329553"/>
           </a:xfrm>
           <a:prstGeom prst="rect">
             <a:avLst/>
           </a:prstGeom>
         </p:spPr>
       </p:pic>
-      <p:pic>
-        <p:nvPicPr>
-          <p:cNvPr id="5" name="Picture 4" descr="Graphical user interface, text&#10;&#10;Description automatically generated">
-            <a:extLst>
-              <a:ext uri="{FF2B5EF4-FFF2-40B4-BE49-F238E27FC236}">
-                <a16:creationId xmlns:a16="http://schemas.microsoft.com/office/drawing/2014/main" id="{A02287E0-FC1E-C26E-5E34-9ED7774A22FA}"/>
-              </a:ext>
-            </a:extLst>
-          </p:cNvPr>
-          <p:cNvPicPr>
-            <a:picLocks noChangeAspect="1"/>
-          </p:cNvPicPr>
-          <p:nvPr/>
-        </p:nvPicPr>
-        <p:blipFill>
-          <a:blip r:embed="rId3">
-            <a:extLst>
-              <a:ext uri="{28A0092B-C50C-407E-A947-70E740481C1C}">
-                <a14:useLocalDpi xmlns:a14="http://schemas.microsoft.com/office/drawing/2010/main" val="0"/>
-              </a:ext>
-            </a:extLst>
-          </a:blip>
-          <a:stretch>
-            <a:fillRect/>
-          </a:stretch>
-        </p:blipFill>
-        <p:spPr>
-          <a:xfrm>
-            <a:off x="5233181" y="1478080"/>
-            <a:ext cx="6710290" cy="2663606"/>
-          </a:xfrm>
-          <a:prstGeom prst="rect">
-            <a:avLst/>
-          </a:prstGeom>
-        </p:spPr>
-      </p:pic>
-      <p:sp>
-        <p:nvSpPr>
-          <p:cNvPr id="6" name="TextBox 5">
-            <a:extLst>
-              <a:ext uri="{FF2B5EF4-FFF2-40B4-BE49-F238E27FC236}">
-                <a16:creationId xmlns:a16="http://schemas.microsoft.com/office/drawing/2014/main" id="{888BE2DE-1F3E-3348-EC8B-5E7BB46ECF92}"/>
-              </a:ext>
-            </a:extLst>
-          </p:cNvPr>
-          <p:cNvSpPr txBox="1"/>
-          <p:nvPr/>
-        </p:nvSpPr>
-        <p:spPr>
-          <a:xfrm>
-            <a:off x="1006084" y="4459459"/>
-            <a:ext cx="9361805" cy="1938992"/>
-          </a:xfrm>
-          <a:prstGeom prst="rect">
-            <a:avLst/>
-          </a:prstGeom>
-          <a:noFill/>
-        </p:spPr>
-        <p:txBody>
-          <a:bodyPr wrap="square" rtlCol="0">
-            <a:spAutoFit/>
-          </a:bodyPr>
-          <a:lstStyle/>
-          <a:p>
-            <a:r>
-              <a:rPr lang="en-US" sz="4000" dirty="0" err="1"/>
-              <a:t>Binus</a:t>
-            </a:r>
-            <a:r>
-              <a:rPr lang="en-US" sz="4000" dirty="0"/>
-              <a:t> Chatting will take Forum/Thread function in Line and Use Media streaming from Discord</a:t>
-            </a:r>
-          </a:p>
-        </p:txBody>
-      </p:sp>
     </p:spTree>
     <p:extLst>
       <p:ext uri="{BB962C8B-B14F-4D97-AF65-F5344CB8AC3E}">
-        <p14:creationId xmlns:p14="http://schemas.microsoft.com/office/powerpoint/2010/main" val="1441122790"/>
+        <p14:creationId xmlns:p14="http://schemas.microsoft.com/office/powerpoint/2010/main" val="3824358165"/>
       </p:ext>
     </p:extLst>
   </p:cSld>
@@ -4076,7 +4180,7 @@
           <p:cNvPr id="2" name="Title 1">
             <a:extLst>
               <a:ext uri="{FF2B5EF4-FFF2-40B4-BE49-F238E27FC236}">
-                <a16:creationId xmlns:a16="http://schemas.microsoft.com/office/drawing/2014/main" id="{A597875E-44D6-DB36-C8E4-8B17B894236C}"/>
+                <a16:creationId xmlns:a16="http://schemas.microsoft.com/office/drawing/2014/main" id="{1D0AC86E-6382-8F4C-2BEF-DE05A2550E6F}"/>
               </a:ext>
             </a:extLst>
           </p:cNvPr>
@@ -4094,7 +4198,7 @@
           <a:p>
             <a:r>
               <a:rPr lang="en-US" dirty="0"/>
-              <a:t>METAFORA</a:t>
+              <a:t>CONCEPTS</a:t>
             </a:r>
             <a:endParaRPr lang="en-ID" dirty="0"/>
           </a:p>
@@ -4105,7 +4209,7 @@
           <p:cNvPr id="3" name="Content Placeholder 2">
             <a:extLst>
               <a:ext uri="{FF2B5EF4-FFF2-40B4-BE49-F238E27FC236}">
-                <a16:creationId xmlns:a16="http://schemas.microsoft.com/office/drawing/2014/main" id="{A95966C7-68BA-9B7F-D494-0A59788E7B1C}"/>
+                <a16:creationId xmlns:a16="http://schemas.microsoft.com/office/drawing/2014/main" id="{F15CEE6D-9EE5-7489-5EBE-357676D87642}"/>
               </a:ext>
             </a:extLst>
           </p:cNvPr>
@@ -4122,54 +4226,38 @@
           <a:lstStyle/>
           <a:p>
             <a:r>
-              <a:rPr lang="en-US" dirty="0" err="1"/>
-              <a:t>Informasi</a:t>
-            </a:r>
-            <a:r>
-              <a:rPr lang="en-US" dirty="0"/>
-              <a:t> </a:t>
-            </a:r>
-            <a:r>
-              <a:rPr lang="en-US" dirty="0" err="1"/>
-              <a:t>akan</a:t>
-            </a:r>
-            <a:r>
-              <a:rPr lang="en-US" dirty="0"/>
-              <a:t> </a:t>
-            </a:r>
-            <a:r>
-              <a:rPr lang="en-US" dirty="0" err="1"/>
-              <a:t>ditampilkan</a:t>
-            </a:r>
-            <a:r>
-              <a:rPr lang="en-US" dirty="0"/>
-              <a:t> </a:t>
-            </a:r>
-            <a:r>
-              <a:rPr lang="en-US" dirty="0" err="1"/>
-              <a:t>dalam</a:t>
-            </a:r>
-            <a:r>
-              <a:rPr lang="en-US" dirty="0"/>
-              <a:t> </a:t>
-            </a:r>
-            <a:r>
-              <a:rPr lang="en-US" dirty="0" err="1"/>
-              <a:t>bentuk</a:t>
-            </a:r>
-            <a:r>
-              <a:rPr lang="en-US" dirty="0"/>
-              <a:t> List</a:t>
-            </a:r>
+              <a:rPr lang="en-US" dirty="0"/>
+              <a:t>Akan </a:t>
+            </a:r>
+            <a:r>
+              <a:rPr lang="en-US" dirty="0" err="1"/>
+              <a:t>ada</a:t>
+            </a:r>
+            <a:r>
+              <a:rPr lang="en-US" dirty="0"/>
+              <a:t> Group Chat, </a:t>
+            </a:r>
+            <a:r>
+              <a:rPr lang="en-US" dirty="0" err="1"/>
+              <a:t>Individu</a:t>
+            </a:r>
+            <a:r>
+              <a:rPr lang="en-US" dirty="0"/>
+              <a:t> Chat, dan Friends List</a:t>
+            </a:r>
+            <a:endParaRPr lang="en-ID" dirty="0"/>
+          </a:p>
+          <a:p>
+            <a:endParaRPr lang="en-ID" dirty="0"/>
           </a:p>
         </p:txBody>
       </p:sp>
       <p:pic>
         <p:nvPicPr>
-          <p:cNvPr id="5" name="Picture 4" descr="Graphical user interface, text&#10;&#10;Description automatically generated">
-            <a:extLst>
-              <a:ext uri="{FF2B5EF4-FFF2-40B4-BE49-F238E27FC236}">
-                <a16:creationId xmlns:a16="http://schemas.microsoft.com/office/drawing/2014/main" id="{ED90B86B-0C99-733C-73AF-1615709FE473}"/>
+          <p:cNvPr id="6" name="Picture 5">
+            <a:extLst>
+              <a:ext uri="{FF2B5EF4-FFF2-40B4-BE49-F238E27FC236}">
+                <a16:creationId xmlns:a16="http://schemas.microsoft.com/office/drawing/2014/main" id="{1E90783C-F576-D557-4E78-93A7BB4C4C06}"/>
               </a:ext>
             </a:extLst>
           </p:cNvPr>
@@ -4179,7 +4267,37 @@
           <p:nvPr/>
         </p:nvPicPr>
         <p:blipFill>
-          <a:blip r:embed="rId2">
+          <a:blip r:embed="rId2"/>
+          <a:stretch>
+            <a:fillRect/>
+          </a:stretch>
+        </p:blipFill>
+        <p:spPr>
+          <a:xfrm>
+            <a:off x="838200" y="2638425"/>
+            <a:ext cx="5623378" cy="3363709"/>
+          </a:xfrm>
+          <a:prstGeom prst="rect">
+            <a:avLst/>
+          </a:prstGeom>
+        </p:spPr>
+      </p:pic>
+      <p:pic>
+        <p:nvPicPr>
+          <p:cNvPr id="8" name="Picture 7" descr="Graphical user interface, text, application, chat or text message&#10;&#10;Description automatically generated">
+            <a:extLst>
+              <a:ext uri="{FF2B5EF4-FFF2-40B4-BE49-F238E27FC236}">
+                <a16:creationId xmlns:a16="http://schemas.microsoft.com/office/drawing/2014/main" id="{AB395B6B-7923-27A7-B2FB-0DBD58EFC431}"/>
+              </a:ext>
+            </a:extLst>
+          </p:cNvPr>
+          <p:cNvPicPr>
+            <a:picLocks noChangeAspect="1"/>
+          </p:cNvPicPr>
+          <p:nvPr/>
+        </p:nvPicPr>
+        <p:blipFill>
+          <a:blip r:embed="rId3">
             <a:extLst>
               <a:ext uri="{28A0092B-C50C-407E-A947-70E740481C1C}">
                 <a14:useLocalDpi xmlns:a14="http://schemas.microsoft.com/office/drawing/2010/main" val="0"/>
@@ -4192,8 +4310,8 @@
         </p:blipFill>
         <p:spPr>
           <a:xfrm>
-            <a:off x="1047075" y="2383906"/>
-            <a:ext cx="9109799" cy="3616075"/>
+            <a:off x="6218439" y="2278062"/>
+            <a:ext cx="5578639" cy="4351338"/>
           </a:xfrm>
           <a:prstGeom prst="rect">
             <a:avLst/>
@@ -4203,7 +4321,7 @@
     </p:spTree>
     <p:extLst>
       <p:ext uri="{BB962C8B-B14F-4D97-AF65-F5344CB8AC3E}">
-        <p14:creationId xmlns:p14="http://schemas.microsoft.com/office/powerpoint/2010/main" val="3824358165"/>
+        <p14:creationId xmlns:p14="http://schemas.microsoft.com/office/powerpoint/2010/main" val="611428803"/>
       </p:ext>
     </p:extLst>
   </p:cSld>
@@ -4235,7 +4353,7 @@
           <p:cNvPr id="2" name="Title 1">
             <a:extLst>
               <a:ext uri="{FF2B5EF4-FFF2-40B4-BE49-F238E27FC236}">
-                <a16:creationId xmlns:a16="http://schemas.microsoft.com/office/drawing/2014/main" id="{1D0AC86E-6382-8F4C-2BEF-DE05A2550E6F}"/>
+                <a16:creationId xmlns:a16="http://schemas.microsoft.com/office/drawing/2014/main" id="{FAAEEE61-2073-0172-BFBF-67EBB65376B3}"/>
               </a:ext>
             </a:extLst>
           </p:cNvPr>
@@ -4253,7 +4371,7 @@
           <a:p>
             <a:r>
               <a:rPr lang="en-US" dirty="0"/>
-              <a:t>CONCEPTS</a:t>
+              <a:t>Object Relationships</a:t>
             </a:r>
             <a:endParaRPr lang="en-ID" dirty="0"/>
           </a:p>
@@ -4264,7 +4382,7 @@
           <p:cNvPr id="3" name="Content Placeholder 2">
             <a:extLst>
               <a:ext uri="{FF2B5EF4-FFF2-40B4-BE49-F238E27FC236}">
-                <a16:creationId xmlns:a16="http://schemas.microsoft.com/office/drawing/2014/main" id="{F15CEE6D-9EE5-7489-5EBE-357676D87642}"/>
+                <a16:creationId xmlns:a16="http://schemas.microsoft.com/office/drawing/2014/main" id="{8D665C2D-B058-A478-C891-2F56F6CD54EA}"/>
               </a:ext>
             </a:extLst>
           </p:cNvPr>
@@ -4282,7 +4400,31 @@
           <a:p>
             <a:r>
               <a:rPr lang="en-US" dirty="0"/>
-              <a:t>Akan </a:t>
+              <a:t>User yang </a:t>
+            </a:r>
+            <a:r>
+              <a:rPr lang="en-US" dirty="0" err="1"/>
+              <a:t>terdapat</a:t>
+            </a:r>
+            <a:r>
+              <a:rPr lang="en-US" dirty="0"/>
+              <a:t> pada Class Students List </a:t>
+            </a:r>
+            <a:r>
+              <a:rPr lang="en-US" dirty="0" err="1"/>
+              <a:t>dapat</a:t>
+            </a:r>
+            <a:r>
+              <a:rPr lang="en-US" dirty="0"/>
+              <a:t> </a:t>
+            </a:r>
+            <a:r>
+              <a:rPr lang="en-US" dirty="0" err="1"/>
+              <a:t>melihat</a:t>
+            </a:r>
+            <a:r>
+              <a:rPr lang="en-US" dirty="0"/>
+              <a:t> Status User lain yang </a:t>
             </a:r>
             <a:r>
               <a:rPr lang="en-US" dirty="0" err="1"/>
@@ -4290,7 +4432,29 @@
             </a:r>
             <a:r>
               <a:rPr lang="en-US" dirty="0"/>
-              <a:t> Group Chat, </a:t>
+              <a:t> di Class Students List</a:t>
+            </a:r>
+          </a:p>
+          <a:p>
+            <a:r>
+              <a:rPr lang="en-US" dirty="0"/>
+              <a:t>User </a:t>
+            </a:r>
+            <a:r>
+              <a:rPr lang="en-US" dirty="0" err="1"/>
+              <a:t>dapat</a:t>
+            </a:r>
+            <a:r>
+              <a:rPr lang="en-US" dirty="0"/>
+              <a:t> </a:t>
+            </a:r>
+            <a:r>
+              <a:rPr lang="en-US" dirty="0" err="1"/>
+              <a:t>melakukan</a:t>
+            </a:r>
+            <a:r>
+              <a:rPr lang="en-US" dirty="0"/>
+              <a:t> Chat </a:t>
             </a:r>
             <a:r>
               <a:rPr lang="en-US" dirty="0" err="1"/>
@@ -4298,55 +4462,26 @@
             </a:r>
             <a:r>
               <a:rPr lang="en-US" dirty="0"/>
-              <a:t> Chat, dan Friends List</a:t>
-            </a:r>
+              <a:t> pada User yang </a:t>
+            </a:r>
+            <a:r>
+              <a:rPr lang="en-US" dirty="0" err="1"/>
+              <a:t>tergabung</a:t>
+            </a:r>
+            <a:r>
+              <a:rPr lang="en-US" dirty="0"/>
+              <a:t> pada Class Students List</a:t>
+            </a:r>
+          </a:p>
+          <a:p>
             <a:endParaRPr lang="en-ID" dirty="0"/>
           </a:p>
-          <a:p>
-            <a:endParaRPr lang="en-ID" dirty="0"/>
-          </a:p>
-        </p:txBody>
-      </p:sp>
-      <p:pic>
-        <p:nvPicPr>
-          <p:cNvPr id="5" name="Picture 4" descr="A screenshot of a computer&#10;&#10;Description automatically generated with medium confidence">
-            <a:extLst>
-              <a:ext uri="{FF2B5EF4-FFF2-40B4-BE49-F238E27FC236}">
-                <a16:creationId xmlns:a16="http://schemas.microsoft.com/office/drawing/2014/main" id="{1822C1E5-107E-2C54-E2A7-01CA6F5CEAB9}"/>
-              </a:ext>
-            </a:extLst>
-          </p:cNvPr>
-          <p:cNvPicPr>
-            <a:picLocks noChangeAspect="1"/>
-          </p:cNvPicPr>
-          <p:nvPr/>
-        </p:nvPicPr>
-        <p:blipFill>
-          <a:blip r:embed="rId2">
-            <a:extLst>
-              <a:ext uri="{28A0092B-C50C-407E-A947-70E740481C1C}">
-                <a14:useLocalDpi xmlns:a14="http://schemas.microsoft.com/office/drawing/2010/main" val="0"/>
-              </a:ext>
-            </a:extLst>
-          </a:blip>
-          <a:stretch>
-            <a:fillRect/>
-          </a:stretch>
-        </p:blipFill>
-        <p:spPr>
-          <a:xfrm>
-            <a:off x="2822331" y="2303362"/>
-            <a:ext cx="6547338" cy="4329553"/>
-          </a:xfrm>
-          <a:prstGeom prst="rect">
-            <a:avLst/>
-          </a:prstGeom>
-        </p:spPr>
-      </p:pic>
+        </p:txBody>
+      </p:sp>
     </p:spTree>
     <p:extLst>
       <p:ext uri="{BB962C8B-B14F-4D97-AF65-F5344CB8AC3E}">
-        <p14:creationId xmlns:p14="http://schemas.microsoft.com/office/powerpoint/2010/main" val="611428803"/>
+        <p14:creationId xmlns:p14="http://schemas.microsoft.com/office/powerpoint/2010/main" val="2009203607"/>
       </p:ext>
     </p:extLst>
   </p:cSld>
@@ -4378,7 +4513,7 @@
           <p:cNvPr id="2" name="Title 1">
             <a:extLst>
               <a:ext uri="{FF2B5EF4-FFF2-40B4-BE49-F238E27FC236}">
-                <a16:creationId xmlns:a16="http://schemas.microsoft.com/office/drawing/2014/main" id="{FAAEEE61-2073-0172-BFBF-67EBB65376B3}"/>
+                <a16:creationId xmlns:a16="http://schemas.microsoft.com/office/drawing/2014/main" id="{3805559E-AB0D-AC83-04CB-BF6D98136597}"/>
               </a:ext>
             </a:extLst>
           </p:cNvPr>
@@ -4396,7 +4531,7 @@
           <a:p>
             <a:r>
               <a:rPr lang="en-US" dirty="0"/>
-              <a:t>Object Relationships</a:t>
+              <a:t>The Mappings</a:t>
             </a:r>
             <a:endParaRPr lang="en-ID" dirty="0"/>
           </a:p>
@@ -4407,7 +4542,7 @@
           <p:cNvPr id="3" name="Content Placeholder 2">
             <a:extLst>
               <a:ext uri="{FF2B5EF4-FFF2-40B4-BE49-F238E27FC236}">
-                <a16:creationId xmlns:a16="http://schemas.microsoft.com/office/drawing/2014/main" id="{8D665C2D-B058-A478-C891-2F56F6CD54EA}"/>
+                <a16:creationId xmlns:a16="http://schemas.microsoft.com/office/drawing/2014/main" id="{CF44AEE2-771E-1F4C-18D5-E30776188488}"/>
               </a:ext>
             </a:extLst>
           </p:cNvPr>
@@ -4424,20 +4559,16 @@
           <a:lstStyle/>
           <a:p>
             <a:r>
-              <a:rPr lang="en-US" dirty="0"/>
-              <a:t>User yang </a:t>
-            </a:r>
-            <a:r>
-              <a:rPr lang="en-US" dirty="0" err="1"/>
-              <a:t>terdapat</a:t>
-            </a:r>
-            <a:r>
-              <a:rPr lang="en-US" dirty="0"/>
-              <a:t> pada Friend List </a:t>
-            </a:r>
-            <a:r>
-              <a:rPr lang="en-US" dirty="0" err="1"/>
-              <a:t>dapat</a:t>
+              <a:rPr lang="en-US" dirty="0" err="1"/>
+              <a:t>Nomor</a:t>
+            </a:r>
+            <a:r>
+              <a:rPr lang="en-US" dirty="0"/>
+              <a:t> Student ID pada </a:t>
+            </a:r>
+            <a:r>
+              <a:rPr lang="en-US" dirty="0" err="1"/>
+              <a:t>Binusmaya</a:t>
             </a:r>
             <a:r>
               <a:rPr lang="en-US" dirty="0"/>
@@ -4445,57 +4576,15 @@
             </a:r>
             <a:r>
               <a:rPr lang="en-US" dirty="0" err="1"/>
-              <a:t>melihat</a:t>
-            </a:r>
-            <a:r>
-              <a:rPr lang="en-US" dirty="0"/>
-              <a:t> Status User lain yang </a:t>
-            </a:r>
-            <a:r>
-              <a:rPr lang="en-US" dirty="0" err="1"/>
-              <a:t>ada</a:t>
-            </a:r>
-            <a:r>
-              <a:rPr lang="en-US" dirty="0"/>
-              <a:t> di Friend List</a:t>
-            </a:r>
-          </a:p>
-          <a:p>
-            <a:r>
-              <a:rPr lang="en-US" dirty="0"/>
-              <a:t>User </a:t>
-            </a:r>
-            <a:r>
-              <a:rPr lang="en-US" dirty="0" err="1"/>
-              <a:t>dapat</a:t>
-            </a:r>
-            <a:r>
-              <a:rPr lang="en-US" dirty="0"/>
-              <a:t> </a:t>
-            </a:r>
-            <a:r>
-              <a:rPr lang="en-US" dirty="0" err="1"/>
-              <a:t>melakukan</a:t>
-            </a:r>
-            <a:r>
-              <a:rPr lang="en-US" dirty="0"/>
-              <a:t> Chat </a:t>
-            </a:r>
-            <a:r>
-              <a:rPr lang="en-US" dirty="0" err="1"/>
-              <a:t>Individu</a:t>
-            </a:r>
-            <a:r>
-              <a:rPr lang="en-US" dirty="0"/>
-              <a:t> pada User yang </a:t>
-            </a:r>
-            <a:r>
-              <a:rPr lang="en-US" dirty="0" err="1"/>
-              <a:t>tergabung</a:t>
-            </a:r>
-            <a:r>
-              <a:rPr lang="en-US" dirty="0"/>
-              <a:t> pada Group Chat</a:t>
+              <a:t>merupakan</a:t>
+            </a:r>
+            <a:r>
+              <a:rPr lang="en-US" dirty="0"/>
+              <a:t> Student ID di </a:t>
+            </a:r>
+            <a:r>
+              <a:rPr lang="en-US" dirty="0" err="1"/>
+              <a:t>perkuliahan</a:t>
             </a:r>
             <a:endParaRPr lang="en-ID" dirty="0"/>
           </a:p>
@@ -4504,7 +4593,7 @@
     </p:spTree>
     <p:extLst>
       <p:ext uri="{BB962C8B-B14F-4D97-AF65-F5344CB8AC3E}">
-        <p14:creationId xmlns:p14="http://schemas.microsoft.com/office/powerpoint/2010/main" val="2009203607"/>
+        <p14:creationId xmlns:p14="http://schemas.microsoft.com/office/powerpoint/2010/main" val="1103354693"/>
       </p:ext>
     </p:extLst>
   </p:cSld>
@@ -4601,20 +4690,34 @@
           <a:p>
             <a:r>
               <a:rPr lang="en-US" dirty="0" err="1"/>
-              <a:t>Telepon</a:t>
+              <a:t>Menambahkan</a:t>
+            </a:r>
+            <a:r>
+              <a:rPr lang="en-US" dirty="0"/>
+              <a:t> User lain pada Chat yang </a:t>
+            </a:r>
+            <a:r>
+              <a:rPr lang="en-US" dirty="0" err="1"/>
+              <a:t>sama</a:t>
             </a:r>
             <a:endParaRPr lang="en-US" dirty="0"/>
           </a:p>
           <a:p>
             <a:r>
-              <a:rPr lang="en-US" dirty="0"/>
-              <a:t>Video Call</a:t>
-            </a:r>
-          </a:p>
-          <a:p>
-            <a:r>
-              <a:rPr lang="en-US" dirty="0"/>
-              <a:t>Media Streaming</a:t>
+              <a:rPr lang="en-US" dirty="0" err="1"/>
+              <a:t>Mencari</a:t>
+            </a:r>
+            <a:r>
+              <a:rPr lang="en-US" dirty="0"/>
+              <a:t> </a:t>
+            </a:r>
+            <a:r>
+              <a:rPr lang="en-US" dirty="0" err="1"/>
+              <a:t>pesan</a:t>
+            </a:r>
+            <a:r>
+              <a:rPr lang="en-US" dirty="0"/>
+              <a:t> lama</a:t>
             </a:r>
           </a:p>
         </p:txBody>
@@ -4721,7 +4824,39 @@
             </a:r>
             <a:r>
               <a:rPr lang="en-US" dirty="0"/>
-              <a:t> Voice Call </a:t>
+              <a:t> Chat pada User yang </a:t>
+            </a:r>
+            <a:r>
+              <a:rPr lang="en-US" dirty="0" err="1"/>
+              <a:t>tidak</a:t>
+            </a:r>
+            <a:r>
+              <a:rPr lang="en-US" dirty="0"/>
+              <a:t> </a:t>
+            </a:r>
+            <a:r>
+              <a:rPr lang="en-US" dirty="0" err="1"/>
+              <a:t>terdapat</a:t>
+            </a:r>
+            <a:r>
+              <a:rPr lang="en-US" dirty="0"/>
+              <a:t> pada Class yang </a:t>
+            </a:r>
+            <a:r>
+              <a:rPr lang="en-US" dirty="0" err="1"/>
+              <a:t>sama</a:t>
+            </a:r>
+            <a:r>
+              <a:rPr lang="en-US" dirty="0"/>
+              <a:t>, </a:t>
+            </a:r>
+            <a:r>
+              <a:rPr lang="en-US" dirty="0" err="1"/>
+              <a:t>atau</a:t>
+            </a:r>
+            <a:r>
+              <a:rPr lang="en-US" dirty="0"/>
+              <a:t> </a:t>
             </a:r>
             <a:r>
               <a:rPr lang="en-US" dirty="0" err="1"/>
@@ -4729,11 +4864,11 @@
             </a:r>
             <a:r>
               <a:rPr lang="en-US" dirty="0"/>
-              <a:t> User lain, </a:t>
-            </a:r>
-            <a:r>
-              <a:rPr lang="en-US" dirty="0" err="1"/>
-              <a:t>jika</a:t>
+              <a:t> Student ID yang </a:t>
+            </a:r>
+            <a:r>
+              <a:rPr lang="en-US" dirty="0" err="1"/>
+              <a:t>belum</a:t>
             </a:r>
             <a:r>
               <a:rPr lang="en-US" dirty="0"/>
@@ -4741,31 +4876,11 @@
             </a:r>
             <a:r>
               <a:rPr lang="en-US" dirty="0" err="1"/>
-              <a:t>masih</a:t>
-            </a:r>
-            <a:r>
-              <a:rPr lang="en-US" dirty="0"/>
-              <a:t> </a:t>
-            </a:r>
-            <a:r>
-              <a:rPr lang="en-US" dirty="0" err="1"/>
-              <a:t>terhubung</a:t>
-            </a:r>
-            <a:r>
-              <a:rPr lang="en-US" dirty="0"/>
-              <a:t> </a:t>
-            </a:r>
-            <a:r>
-              <a:rPr lang="en-US" dirty="0" err="1"/>
-              <a:t>dengan</a:t>
-            </a:r>
-            <a:r>
-              <a:rPr lang="en-US" dirty="0"/>
-              <a:t> Voice Call pada User </a:t>
-            </a:r>
-            <a:r>
-              <a:rPr lang="en-US" dirty="0" err="1"/>
-              <a:t>pertama</a:t>
+              <a:t>ada</a:t>
+            </a:r>
+            <a:r>
+              <a:rPr lang="en-US" dirty="0"/>
+              <a:t> pada Friend List</a:t>
             </a:r>
             <a:endParaRPr lang="en-ID" dirty="0"/>
           </a:p>
